--- a/Sass_training/Sassについて.pptx
+++ b/Sass_training/Sassについて.pptx
@@ -5,10 +5,10 @@
     <p:sldMasterId id="2147483648" r:id="rId1"/>
   </p:sldMasterIdLst>
   <p:notesMasterIdLst>
-    <p:notesMasterId r:id="rId12"/>
+    <p:notesMasterId r:id="rId9"/>
   </p:notesMasterIdLst>
   <p:handoutMasterIdLst>
-    <p:handoutMasterId r:id="rId13"/>
+    <p:handoutMasterId r:id="rId10"/>
   </p:handoutMasterIdLst>
   <p:sldIdLst>
     <p:sldId id="256" r:id="rId2"/>
@@ -18,9 +18,6 @@
     <p:sldId id="260" r:id="rId6"/>
     <p:sldId id="276" r:id="rId7"/>
     <p:sldId id="277" r:id="rId8"/>
-    <p:sldId id="278" r:id="rId9"/>
-    <p:sldId id="279" r:id="rId10"/>
-    <p:sldId id="280" r:id="rId11"/>
   </p:sldIdLst>
   <p:sldSz cx="9144000" cy="6858000" type="screen4x3"/>
   <p:notesSz cx="6805613" cy="9939338"/>
@@ -151,7 +148,7 @@
   </p:defaultTextStyle>
   <p:extLst>
     <p:ext uri="{EFAFB233-063F-42B5-8137-9DF3F51BA10A}">
-      <p15:sldGuideLst xmlns:p15="http://schemas.microsoft.com/office/powerpoint/2012/main" xmlns="">
+      <p15:sldGuideLst xmlns="" xmlns:p15="http://schemas.microsoft.com/office/powerpoint/2012/main">
         <p15:guide id="1" orient="horz" pos="4264">
           <p15:clr>
             <a:srgbClr val="A4A3A4"/>
@@ -165,7 +162,7 @@
       </p15:sldGuideLst>
     </p:ext>
     <p:ext uri="{2D200454-40CA-4A62-9FC3-DE9A4176ACB9}">
-      <p15:notesGuideLst xmlns:p15="http://schemas.microsoft.com/office/powerpoint/2012/main" xmlns="">
+      <p15:notesGuideLst xmlns="" xmlns:p15="http://schemas.microsoft.com/office/powerpoint/2012/main">
         <p15:guide id="1" orient="horz" pos="3130">
           <p15:clr>
             <a:srgbClr val="A4A3A4"/>
@@ -3783,693 +3780,6 @@
 </p:sld>
 </file>
 
-<file path=ppt/slides/slide10.xml><?xml version="1.0" encoding="utf-8"?>
-<p:sld xmlns:a="http://schemas.openxmlformats.org/drawingml/2006/main" xmlns:r="http://schemas.openxmlformats.org/officeDocument/2006/relationships" xmlns:p="http://schemas.openxmlformats.org/presentationml/2006/main">
-  <p:cSld>
-    <p:spTree>
-      <p:nvGrpSpPr>
-        <p:cNvPr id="1" name=""/>
-        <p:cNvGrpSpPr/>
-        <p:nvPr/>
-      </p:nvGrpSpPr>
-      <p:grpSpPr>
-        <a:xfrm>
-          <a:off x="0" y="0"/>
-          <a:ext cx="0" cy="0"/>
-          <a:chOff x="0" y="0"/>
-          <a:chExt cx="0" cy="0"/>
-        </a:xfrm>
-      </p:grpSpPr>
-      <p:sp>
-        <p:nvSpPr>
-          <p:cNvPr id="4" name="タイトル 3"/>
-          <p:cNvSpPr>
-            <a:spLocks noGrp="1"/>
-          </p:cNvSpPr>
-          <p:nvPr>
-            <p:ph type="ctrTitle"/>
-          </p:nvPr>
-        </p:nvSpPr>
-        <p:spPr/>
-        <p:txBody>
-          <a:bodyPr/>
-          <a:lstStyle/>
-          <a:p>
-            <a:pPr lvl="1" algn="l"/>
-            <a:r>
-              <a:rPr lang="en-US" altLang="ja-JP" sz="3200" dirty="0" smtClean="0">
-                <a:solidFill>
-                  <a:prstClr val="black"/>
-                </a:solidFill>
-                <a:latin typeface="+mj-lt"/>
-                <a:ea typeface="+mj-ea"/>
-                <a:cs typeface="メイリオ" pitchFamily="50" charset="-128"/>
-              </a:rPr>
-              <a:t>Sass</a:t>
-            </a:r>
-            <a:r>
-              <a:rPr lang="ja-JP" altLang="en-US" sz="3200" dirty="0" smtClean="0">
-                <a:solidFill>
-                  <a:prstClr val="black"/>
-                </a:solidFill>
-                <a:latin typeface="+mj-ea"/>
-                <a:ea typeface="+mj-ea"/>
-                <a:cs typeface="メイリオ" pitchFamily="50" charset="-128"/>
-              </a:rPr>
-              <a:t>の基本機能</a:t>
-            </a:r>
-            <a:r>
-              <a:rPr lang="en-US" altLang="ja-JP" dirty="0" smtClean="0">
-                <a:solidFill>
-                  <a:prstClr val="black"/>
-                </a:solidFill>
-                <a:cs typeface="メイリオ" pitchFamily="50" charset="-128"/>
-              </a:rPr>
-              <a:t/>
-            </a:r>
-            <a:br>
-              <a:rPr lang="en-US" altLang="ja-JP" dirty="0" smtClean="0">
-                <a:solidFill>
-                  <a:prstClr val="black"/>
-                </a:solidFill>
-                <a:cs typeface="メイリオ" pitchFamily="50" charset="-128"/>
-              </a:rPr>
-            </a:br>
-            <a:r>
-              <a:rPr lang="ja-JP" altLang="en-US" sz="2400" b="0" dirty="0" smtClean="0">
-                <a:solidFill>
-                  <a:prstClr val="black"/>
-                </a:solidFill>
-                <a:cs typeface="メイリオ" pitchFamily="50" charset="-128"/>
-              </a:rPr>
-              <a:t>　～</a:t>
-            </a:r>
-            <a:r>
-              <a:rPr lang="en-US" altLang="ja-JP" sz="2400" dirty="0" smtClean="0">
-                <a:solidFill>
-                  <a:prstClr val="black"/>
-                </a:solidFill>
-                <a:latin typeface="+mj-lt"/>
-                <a:cs typeface="メイリオ" pitchFamily="50" charset="-128"/>
-              </a:rPr>
-              <a:t>@</a:t>
-            </a:r>
-            <a:r>
-              <a:rPr lang="en-US" altLang="ja-JP" sz="2400" dirty="0">
-                <a:solidFill>
-                  <a:prstClr val="black"/>
-                </a:solidFill>
-                <a:latin typeface="+mj-lt"/>
-                <a:cs typeface="メイリオ" pitchFamily="50" charset="-128"/>
-              </a:rPr>
-              <a:t>import</a:t>
-            </a:r>
-            <a:r>
-              <a:rPr lang="ja-JP" altLang="en-US" sz="2400" dirty="0">
-                <a:solidFill>
-                  <a:prstClr val="black"/>
-                </a:solidFill>
-                <a:latin typeface="+mj-lt"/>
-                <a:cs typeface="メイリオ" pitchFamily="50" charset="-128"/>
-              </a:rPr>
-              <a:t>とパーシャルを利用した</a:t>
-            </a:r>
-            <a:r>
-              <a:rPr lang="en-US" altLang="ja-JP" sz="2400" dirty="0">
-                <a:solidFill>
-                  <a:prstClr val="black"/>
-                </a:solidFill>
-                <a:latin typeface="+mj-lt"/>
-                <a:cs typeface="メイリオ" pitchFamily="50" charset="-128"/>
-              </a:rPr>
-              <a:t>CSS</a:t>
-            </a:r>
-            <a:r>
-              <a:rPr lang="ja-JP" altLang="en-US" sz="2400" dirty="0">
-                <a:solidFill>
-                  <a:prstClr val="black"/>
-                </a:solidFill>
-                <a:latin typeface="+mj-lt"/>
-                <a:cs typeface="メイリオ" pitchFamily="50" charset="-128"/>
-              </a:rPr>
-              <a:t>のコンポーネント化</a:t>
-            </a:r>
-            <a:r>
-              <a:rPr lang="ja-JP" altLang="en-US" sz="2400" b="0" dirty="0" smtClean="0">
-                <a:solidFill>
-                  <a:prstClr val="black"/>
-                </a:solidFill>
-                <a:cs typeface="メイリオ" pitchFamily="50" charset="-128"/>
-              </a:rPr>
-              <a:t>～</a:t>
-            </a:r>
-            <a:endParaRPr kumimoji="1" lang="ja-JP" altLang="en-US" sz="2400" b="0" dirty="0"/>
-          </a:p>
-        </p:txBody>
-      </p:sp>
-      <p:sp>
-        <p:nvSpPr>
-          <p:cNvPr id="5" name="コンテンツ プレースホルダー 4"/>
-          <p:cNvSpPr>
-            <a:spLocks noGrp="1"/>
-          </p:cNvSpPr>
-          <p:nvPr>
-            <p:ph idx="1"/>
-          </p:nvPr>
-        </p:nvSpPr>
-        <p:spPr>
-          <a:xfrm>
-            <a:off x="341530" y="1124744"/>
-            <a:ext cx="4140460" cy="5139570"/>
-          </a:xfrm>
-        </p:spPr>
-        <p:txBody>
-          <a:bodyPr/>
-          <a:lstStyle/>
-          <a:p>
-            <a:pPr lvl="0" eaLnBrk="0" hangingPunct="0"/>
-            <a:r>
-              <a:rPr lang="en-US" altLang="ja-JP" sz="2000" dirty="0" smtClean="0">
-                <a:solidFill>
-                  <a:srgbClr val="FF0000"/>
-                </a:solidFill>
-                <a:cs typeface="メイリオ" pitchFamily="50" charset="-128"/>
-              </a:rPr>
-              <a:t>_</a:t>
-            </a:r>
-            <a:r>
-              <a:rPr lang="en-US" altLang="ja-JP" sz="2000" dirty="0" err="1" smtClean="0">
-                <a:solidFill>
-                  <a:prstClr val="black"/>
-                </a:solidFill>
-                <a:cs typeface="メイリオ" pitchFamily="50" charset="-128"/>
-              </a:rPr>
-              <a:t>font.scss</a:t>
-            </a:r>
-            <a:endParaRPr lang="en-US" altLang="ja-JP" sz="2000" dirty="0" smtClean="0">
-              <a:solidFill>
-                <a:prstClr val="black"/>
-              </a:solidFill>
-              <a:cs typeface="メイリオ" pitchFamily="50" charset="-128"/>
-            </a:endParaRPr>
-          </a:p>
-          <a:p>
-            <a:pPr marL="0" lvl="0" indent="0" eaLnBrk="0" hangingPunct="0">
-              <a:buNone/>
-            </a:pPr>
-            <a:r>
-              <a:rPr lang="ja-JP" altLang="en-US" sz="2000" dirty="0" smtClean="0">
-                <a:solidFill>
-                  <a:prstClr val="black"/>
-                </a:solidFill>
-                <a:cs typeface="メイリオ" pitchFamily="50" charset="-128"/>
-              </a:rPr>
-              <a:t>　</a:t>
-            </a:r>
-            <a:r>
-              <a:rPr lang="en-US" altLang="ja-JP" sz="2000" dirty="0" smtClean="0">
-                <a:solidFill>
-                  <a:prstClr val="black"/>
-                </a:solidFill>
-                <a:cs typeface="メイリオ" pitchFamily="50" charset="-128"/>
-              </a:rPr>
-              <a:t>$ font-large: 21px;</a:t>
-            </a:r>
-          </a:p>
-          <a:p>
-            <a:pPr marL="0" lvl="0" indent="0" eaLnBrk="0" hangingPunct="0">
-              <a:buNone/>
-            </a:pPr>
-            <a:r>
-              <a:rPr lang="ja-JP" altLang="en-US" sz="2000" dirty="0" smtClean="0">
-                <a:solidFill>
-                  <a:prstClr val="black"/>
-                </a:solidFill>
-                <a:cs typeface="メイリオ" pitchFamily="50" charset="-128"/>
-              </a:rPr>
-              <a:t>　</a:t>
-            </a:r>
-            <a:r>
-              <a:rPr lang="en-US" altLang="ja-JP" sz="2000" dirty="0" smtClean="0">
-                <a:solidFill>
-                  <a:prstClr val="black"/>
-                </a:solidFill>
-                <a:cs typeface="メイリオ" pitchFamily="50" charset="-128"/>
-              </a:rPr>
-              <a:t>$ font-middle: 17px;</a:t>
-            </a:r>
-          </a:p>
-          <a:p>
-            <a:pPr marL="0" lvl="0" indent="0" eaLnBrk="0" hangingPunct="0">
-              <a:buNone/>
-            </a:pPr>
-            <a:r>
-              <a:rPr lang="ja-JP" altLang="en-US" sz="2000" dirty="0" smtClean="0">
-                <a:solidFill>
-                  <a:prstClr val="black"/>
-                </a:solidFill>
-                <a:cs typeface="メイリオ" pitchFamily="50" charset="-128"/>
-              </a:rPr>
-              <a:t>　</a:t>
-            </a:r>
-            <a:r>
-              <a:rPr lang="en-US" altLang="ja-JP" sz="2000" dirty="0" smtClean="0">
-                <a:solidFill>
-                  <a:prstClr val="black"/>
-                </a:solidFill>
-                <a:cs typeface="メイリオ" pitchFamily="50" charset="-128"/>
-              </a:rPr>
-              <a:t>$ font-small: 15px</a:t>
-            </a:r>
-            <a:r>
-              <a:rPr lang="en-US" altLang="ja-JP" sz="2000" dirty="0">
-                <a:solidFill>
-                  <a:prstClr val="black"/>
-                </a:solidFill>
-                <a:cs typeface="メイリオ" pitchFamily="50" charset="-128"/>
-              </a:rPr>
-              <a:t>;</a:t>
-            </a:r>
-            <a:endParaRPr lang="en-US" altLang="ja-JP" sz="2000" dirty="0" smtClean="0">
-              <a:solidFill>
-                <a:prstClr val="black"/>
-              </a:solidFill>
-              <a:cs typeface="メイリオ" pitchFamily="50" charset="-128"/>
-            </a:endParaRPr>
-          </a:p>
-          <a:p>
-            <a:pPr lvl="0" eaLnBrk="0" hangingPunct="0"/>
-            <a:r>
-              <a:rPr lang="en-US" altLang="ja-JP" sz="2000" dirty="0" smtClean="0">
-                <a:solidFill>
-                  <a:srgbClr val="FF0000"/>
-                </a:solidFill>
-                <a:cs typeface="メイリオ" pitchFamily="50" charset="-128"/>
-              </a:rPr>
-              <a:t>_</a:t>
-            </a:r>
-            <a:r>
-              <a:rPr lang="en-US" altLang="ja-JP" sz="2000" dirty="0" err="1" smtClean="0">
-                <a:solidFill>
-                  <a:prstClr val="black"/>
-                </a:solidFill>
-                <a:cs typeface="メイリオ" pitchFamily="50" charset="-128"/>
-              </a:rPr>
-              <a:t>color.scss</a:t>
-            </a:r>
-            <a:endParaRPr lang="en-US" altLang="ja-JP" sz="2000" dirty="0" smtClean="0">
-              <a:solidFill>
-                <a:prstClr val="black"/>
-              </a:solidFill>
-              <a:cs typeface="メイリオ" pitchFamily="50" charset="-128"/>
-            </a:endParaRPr>
-          </a:p>
-          <a:p>
-            <a:pPr marL="0" indent="0" eaLnBrk="0" hangingPunct="0">
-              <a:buNone/>
-            </a:pPr>
-            <a:r>
-              <a:rPr lang="ja-JP" altLang="en-US" sz="2000" dirty="0" smtClean="0">
-                <a:solidFill>
-                  <a:prstClr val="black"/>
-                </a:solidFill>
-                <a:cs typeface="メイリオ" pitchFamily="50" charset="-128"/>
-              </a:rPr>
-              <a:t>　</a:t>
-            </a:r>
-            <a:r>
-              <a:rPr lang="en-US" altLang="ja-JP" sz="2000" dirty="0" smtClean="0">
-                <a:solidFill>
-                  <a:prstClr val="black"/>
-                </a:solidFill>
-                <a:cs typeface="メイリオ" pitchFamily="50" charset="-128"/>
-              </a:rPr>
-              <a:t>$ y-blue: </a:t>
-            </a:r>
-            <a:r>
-              <a:rPr lang="en-US" altLang="ja-JP" sz="2000" dirty="0">
-                <a:solidFill>
-                  <a:prstClr val="black"/>
-                </a:solidFill>
-                <a:cs typeface="メイリオ" pitchFamily="50" charset="-128"/>
-              </a:rPr>
-              <a:t>#005BAC;</a:t>
-            </a:r>
-            <a:endParaRPr lang="en-US" altLang="ja-JP" sz="2000" dirty="0">
-              <a:cs typeface="メイリオ" pitchFamily="50" charset="-128"/>
-            </a:endParaRPr>
-          </a:p>
-          <a:p>
-            <a:pPr marL="0" lvl="0" indent="0" eaLnBrk="0" hangingPunct="0">
-              <a:buNone/>
-            </a:pPr>
-            <a:r>
-              <a:rPr lang="ja-JP" altLang="en-US" sz="2000" dirty="0" smtClean="0">
-                <a:solidFill>
-                  <a:prstClr val="black"/>
-                </a:solidFill>
-                <a:cs typeface="メイリオ" pitchFamily="50" charset="-128"/>
-              </a:rPr>
-              <a:t>　</a:t>
-            </a:r>
-            <a:r>
-              <a:rPr lang="en-US" altLang="ja-JP" sz="2000" dirty="0" smtClean="0">
-                <a:solidFill>
-                  <a:prstClr val="black"/>
-                </a:solidFill>
-                <a:cs typeface="メイリオ" pitchFamily="50" charset="-128"/>
-              </a:rPr>
-              <a:t>$ warning:#FCBA04;</a:t>
-            </a:r>
-          </a:p>
-          <a:p>
-            <a:pPr marL="0" lvl="0" indent="0" eaLnBrk="0" hangingPunct="0">
-              <a:buNone/>
-            </a:pPr>
-            <a:r>
-              <a:rPr lang="ja-JP" altLang="en-US" sz="2000" dirty="0" smtClean="0">
-                <a:solidFill>
-                  <a:prstClr val="black"/>
-                </a:solidFill>
-                <a:cs typeface="メイリオ" pitchFamily="50" charset="-128"/>
-              </a:rPr>
-              <a:t>　</a:t>
-            </a:r>
-            <a:r>
-              <a:rPr lang="en-US" altLang="ja-JP" sz="2000" dirty="0" smtClean="0">
-                <a:solidFill>
-                  <a:prstClr val="black"/>
-                </a:solidFill>
-                <a:cs typeface="メイリオ" pitchFamily="50" charset="-128"/>
-              </a:rPr>
-              <a:t>$ error: #FE4A49;</a:t>
-            </a:r>
-          </a:p>
-        </p:txBody>
-      </p:sp>
-      <p:sp>
-        <p:nvSpPr>
-          <p:cNvPr id="11" name="コンテンツ プレースホルダー 10"/>
-          <p:cNvSpPr>
-            <a:spLocks noGrp="1"/>
-          </p:cNvSpPr>
-          <p:nvPr>
-            <p:ph idx="13"/>
-          </p:nvPr>
-        </p:nvSpPr>
-        <p:spPr>
-          <a:xfrm>
-            <a:off x="4662010" y="1124744"/>
-            <a:ext cx="4140461" cy="5139571"/>
-          </a:xfrm>
-        </p:spPr>
-        <p:txBody>
-          <a:bodyPr/>
-          <a:lstStyle/>
-          <a:p>
-            <a:r>
-              <a:rPr kumimoji="1" lang="en-US" altLang="ja-JP" sz="2000" dirty="0" err="1" smtClean="0"/>
-              <a:t>index.scss</a:t>
-            </a:r>
-            <a:endParaRPr kumimoji="1" lang="en-US" altLang="ja-JP" sz="2000" dirty="0" smtClean="0"/>
-          </a:p>
-          <a:p>
-            <a:pPr marL="0" indent="0">
-              <a:buNone/>
-            </a:pPr>
-            <a:r>
-              <a:rPr lang="ja-JP" altLang="en-US" sz="2000" dirty="0" smtClean="0">
-                <a:solidFill>
-                  <a:srgbClr val="FF0000"/>
-                </a:solidFill>
-              </a:rPr>
-              <a:t>　</a:t>
-            </a:r>
-            <a:r>
-              <a:rPr lang="en-US" altLang="ja-JP" sz="2000" dirty="0" smtClean="0">
-                <a:solidFill>
-                  <a:srgbClr val="FF0000"/>
-                </a:solidFill>
-              </a:rPr>
-              <a:t>@import  “../../_font”;</a:t>
-            </a:r>
-          </a:p>
-          <a:p>
-            <a:pPr marL="0" indent="0">
-              <a:buNone/>
-            </a:pPr>
-            <a:r>
-              <a:rPr lang="ja-JP" altLang="en-US" sz="2000" dirty="0" smtClean="0">
-                <a:solidFill>
-                  <a:srgbClr val="FF0000"/>
-                </a:solidFill>
-              </a:rPr>
-              <a:t>　</a:t>
-            </a:r>
-            <a:r>
-              <a:rPr lang="en-US" altLang="ja-JP" sz="2000" dirty="0" smtClean="0">
-                <a:solidFill>
-                  <a:srgbClr val="FF0000"/>
-                </a:solidFill>
-              </a:rPr>
-              <a:t>@</a:t>
-            </a:r>
-            <a:r>
-              <a:rPr lang="en-US" altLang="ja-JP" sz="2000" dirty="0">
-                <a:solidFill>
-                  <a:srgbClr val="FF0000"/>
-                </a:solidFill>
-              </a:rPr>
-              <a:t>import  </a:t>
-            </a:r>
-            <a:r>
-              <a:rPr lang="en-US" altLang="ja-JP" sz="2000" dirty="0" smtClean="0">
-                <a:solidFill>
-                  <a:srgbClr val="FF0000"/>
-                </a:solidFill>
-              </a:rPr>
-              <a:t>“</a:t>
-            </a:r>
-            <a:r>
-              <a:rPr lang="en-US" altLang="ja-JP" sz="2000" dirty="0">
-                <a:solidFill>
-                  <a:srgbClr val="FF0000"/>
-                </a:solidFill>
-              </a:rPr>
-              <a:t>../../</a:t>
-            </a:r>
-            <a:r>
-              <a:rPr lang="en-US" altLang="ja-JP" sz="2000" dirty="0" smtClean="0">
-                <a:solidFill>
-                  <a:srgbClr val="FF0000"/>
-                </a:solidFill>
-              </a:rPr>
-              <a:t>_color”;</a:t>
-            </a:r>
-          </a:p>
-          <a:p>
-            <a:pPr marL="0" indent="0">
-              <a:buNone/>
-            </a:pPr>
-            <a:endParaRPr lang="en-US" altLang="ja-JP" sz="2000" dirty="0" smtClean="0">
-              <a:solidFill>
-                <a:srgbClr val="FF0000"/>
-              </a:solidFill>
-            </a:endParaRPr>
-          </a:p>
-          <a:p>
-            <a:pPr marL="0" lvl="0" indent="0" eaLnBrk="0" hangingPunct="0">
-              <a:buNone/>
-            </a:pPr>
-            <a:r>
-              <a:rPr kumimoji="1" lang="ja-JP" altLang="en-US" sz="2000" dirty="0">
-                <a:solidFill>
-                  <a:srgbClr val="FF0000"/>
-                </a:solidFill>
-              </a:rPr>
-              <a:t>　</a:t>
-            </a:r>
-            <a:r>
-              <a:rPr lang="en-US" altLang="ja-JP" sz="2000" dirty="0">
-                <a:solidFill>
-                  <a:prstClr val="black"/>
-                </a:solidFill>
-                <a:cs typeface="メイリオ" pitchFamily="50" charset="-128"/>
-              </a:rPr>
-              <a:t>.body{</a:t>
-            </a:r>
-          </a:p>
-          <a:p>
-            <a:pPr marL="0" lvl="0" indent="0" eaLnBrk="0" hangingPunct="0">
-              <a:buNone/>
-            </a:pPr>
-            <a:r>
-              <a:rPr lang="en-US" altLang="ja-JP" sz="2000" dirty="0">
-                <a:solidFill>
-                  <a:prstClr val="black"/>
-                </a:solidFill>
-                <a:cs typeface="メイリオ" pitchFamily="50" charset="-128"/>
-              </a:rPr>
-              <a:t>    </a:t>
-            </a:r>
-            <a:r>
-              <a:rPr lang="ja-JP" altLang="en-US" sz="2000" dirty="0">
-                <a:solidFill>
-                  <a:prstClr val="black"/>
-                </a:solidFill>
-                <a:cs typeface="メイリオ" pitchFamily="50" charset="-128"/>
-              </a:rPr>
-              <a:t>　</a:t>
-            </a:r>
-            <a:r>
-              <a:rPr lang="en-US" altLang="ja-JP" sz="2000" dirty="0" smtClean="0">
-                <a:solidFill>
-                  <a:prstClr val="black"/>
-                </a:solidFill>
-                <a:cs typeface="メイリオ" pitchFamily="50" charset="-128"/>
-              </a:rPr>
-              <a:t>color: $y-blue;</a:t>
-            </a:r>
-          </a:p>
-          <a:p>
-            <a:pPr marL="0" lvl="0" indent="0" eaLnBrk="0" hangingPunct="0">
-              <a:buNone/>
-            </a:pPr>
-            <a:r>
-              <a:rPr lang="en-US" altLang="ja-JP" sz="2000" dirty="0" smtClean="0">
-                <a:solidFill>
-                  <a:prstClr val="black"/>
-                </a:solidFill>
-                <a:cs typeface="メイリオ" pitchFamily="50" charset="-128"/>
-              </a:rPr>
-              <a:t>}</a:t>
-            </a:r>
-            <a:endParaRPr lang="en-US" altLang="ja-JP" sz="2000" dirty="0">
-              <a:solidFill>
-                <a:prstClr val="black"/>
-              </a:solidFill>
-              <a:cs typeface="メイリオ" pitchFamily="50" charset="-128"/>
-            </a:endParaRPr>
-          </a:p>
-          <a:p>
-            <a:pPr marL="0" indent="0">
-              <a:buNone/>
-            </a:pPr>
-            <a:endParaRPr kumimoji="1" lang="en-US" altLang="ja-JP" sz="2000" dirty="0">
-              <a:solidFill>
-                <a:srgbClr val="FF0000"/>
-              </a:solidFill>
-            </a:endParaRPr>
-          </a:p>
-        </p:txBody>
-      </p:sp>
-      <p:sp>
-        <p:nvSpPr>
-          <p:cNvPr id="8" name="スライド番号プレースホルダ 5"/>
-          <p:cNvSpPr>
-            <a:spLocks noGrp="1"/>
-          </p:cNvSpPr>
-          <p:nvPr>
-            <p:ph type="sldNum" sz="quarter" idx="12"/>
-          </p:nvPr>
-        </p:nvSpPr>
-        <p:spPr>
-          <a:xfrm>
-            <a:off x="206516" y="6489340"/>
-            <a:ext cx="630070" cy="225025"/>
-          </a:xfrm>
-          <a:prstGeom prst="rect">
-            <a:avLst/>
-          </a:prstGeom>
-        </p:spPr>
-        <p:txBody>
-          <a:bodyPr/>
-          <a:lstStyle>
-            <a:lvl1pPr>
-              <a:defRPr sz="1000">
-                <a:solidFill>
-                  <a:schemeClr val="bg1"/>
-                </a:solidFill>
-                <a:latin typeface="Arial" pitchFamily="34" charset="0"/>
-                <a:ea typeface="HGSｺﾞｼｯｸE" pitchFamily="50" charset="-128"/>
-                <a:cs typeface="Arial" pitchFamily="34" charset="0"/>
-              </a:defRPr>
-            </a:lvl1pPr>
-          </a:lstStyle>
-          <a:p>
-            <a:fld id="{E06F8C22-DD7A-40A6-8D32-0B1A0AF740E1}" type="slidenum">
-              <a:rPr lang="ja-JP" altLang="en-US" smtClean="0"/>
-              <a:pPr/>
-              <a:t>10</a:t>
-            </a:fld>
-            <a:endParaRPr lang="en-US" altLang="ja-JP" dirty="0"/>
-          </a:p>
-        </p:txBody>
-      </p:sp>
-      <p:sp>
-        <p:nvSpPr>
-          <p:cNvPr id="10" name="Rectangle 5"/>
-          <p:cNvSpPr>
-            <a:spLocks noGrp="1" noChangeArrowheads="1"/>
-          </p:cNvSpPr>
-          <p:nvPr>
-            <p:ph type="ftr" sz="quarter" idx="11"/>
-          </p:nvPr>
-        </p:nvSpPr>
-        <p:spPr>
-          <a:xfrm>
-            <a:off x="2906815" y="6489340"/>
-            <a:ext cx="3375375" cy="225025"/>
-          </a:xfrm>
-          <a:prstGeom prst="rect">
-            <a:avLst/>
-          </a:prstGeom>
-        </p:spPr>
-        <p:txBody>
-          <a:bodyPr/>
-          <a:lstStyle>
-            <a:lvl1pPr algn="ctr">
-              <a:defRPr sz="1000">
-                <a:solidFill>
-                  <a:schemeClr val="bg1"/>
-                </a:solidFill>
-                <a:latin typeface="Arial" charset="0"/>
-              </a:defRPr>
-            </a:lvl1pPr>
-          </a:lstStyle>
-          <a:p>
-            <a:r>
-              <a:rPr lang="en-US" altLang="ja-JP" dirty="0" smtClean="0"/>
-              <a:t>© </a:t>
-            </a:r>
-            <a:r>
-              <a:rPr lang="en-US" altLang="ja-JP" dirty="0" smtClean="0"/>
-              <a:t>2017 Yayoi Co., Ltd.  All rights reserved.</a:t>
-            </a:r>
-            <a:endParaRPr lang="en-US" altLang="ja-JP" dirty="0"/>
-          </a:p>
-        </p:txBody>
-      </p:sp>
-    </p:spTree>
-    <p:extLst>
-      <p:ext uri="{BB962C8B-B14F-4D97-AF65-F5344CB8AC3E}">
-        <p14:creationId xmlns:p14="http://schemas.microsoft.com/office/powerpoint/2010/main" val="1199220915"/>
-      </p:ext>
-    </p:extLst>
-  </p:cSld>
-  <p:clrMapOvr>
-    <a:masterClrMapping/>
-  </p:clrMapOvr>
-  <p:timing>
-    <p:tnLst>
-      <p:par>
-        <p:cTn id="1" dur="indefinite" restart="never" nodeType="tmRoot"/>
-      </p:par>
-    </p:tnLst>
-  </p:timing>
-</p:sld>
-</file>
-
 <file path=ppt/slides/slide2.xml><?xml version="1.0" encoding="utf-8"?>
 <p:sld xmlns:a="http://schemas.openxmlformats.org/drawingml/2006/main" xmlns:r="http://schemas.openxmlformats.org/officeDocument/2006/relationships" xmlns:p="http://schemas.openxmlformats.org/presentationml/2006/main">
   <p:cSld>
@@ -4649,207 +3959,6 @@
             </a:endParaRPr>
           </a:p>
           <a:p>
-            <a:pPr lvl="1" eaLnBrk="0" hangingPunct="0"/>
-            <a:r>
-              <a:rPr lang="ja-JP" altLang="en-US" sz="1800" dirty="0">
-                <a:solidFill>
-                  <a:prstClr val="black"/>
-                </a:solidFill>
-                <a:cs typeface="メイリオ" pitchFamily="50" charset="-128"/>
-              </a:rPr>
-              <a:t>コメント</a:t>
-            </a:r>
-            <a:r>
-              <a:rPr lang="ja-JP" altLang="en-US" sz="1800" dirty="0" smtClean="0">
-                <a:solidFill>
-                  <a:prstClr val="black"/>
-                </a:solidFill>
-                <a:cs typeface="メイリオ" pitchFamily="50" charset="-128"/>
-              </a:rPr>
-              <a:t>の利用</a:t>
-            </a:r>
-            <a:endParaRPr lang="en-US" altLang="ja-JP" sz="1800" dirty="0" smtClean="0">
-              <a:solidFill>
-                <a:prstClr val="black"/>
-              </a:solidFill>
-              <a:cs typeface="メイリオ" pitchFamily="50" charset="-128"/>
-            </a:endParaRPr>
-          </a:p>
-          <a:p>
-            <a:pPr lvl="1" eaLnBrk="0" hangingPunct="0"/>
-            <a:r>
-              <a:rPr lang="en-US" altLang="ja-JP" sz="1800" dirty="0" smtClean="0">
-                <a:solidFill>
-                  <a:prstClr val="black"/>
-                </a:solidFill>
-                <a:cs typeface="メイリオ" pitchFamily="50" charset="-128"/>
-              </a:rPr>
-              <a:t>@</a:t>
-            </a:r>
-            <a:r>
-              <a:rPr lang="en-US" altLang="ja-JP" sz="1800" dirty="0" err="1" smtClean="0">
-                <a:solidFill>
-                  <a:prstClr val="black"/>
-                </a:solidFill>
-                <a:cs typeface="メイリオ" pitchFamily="50" charset="-128"/>
-              </a:rPr>
-              <a:t>mixin</a:t>
-            </a:r>
-            <a:r>
-              <a:rPr lang="ja-JP" altLang="en-US" sz="1800" dirty="0" smtClean="0">
-                <a:solidFill>
-                  <a:prstClr val="black"/>
-                </a:solidFill>
-                <a:cs typeface="メイリオ" pitchFamily="50" charset="-128"/>
-              </a:rPr>
-              <a:t>と</a:t>
-            </a:r>
-            <a:r>
-              <a:rPr lang="en-US" altLang="ja-JP" sz="1800" dirty="0" smtClean="0">
-                <a:solidFill>
-                  <a:prstClr val="black"/>
-                </a:solidFill>
-                <a:cs typeface="メイリオ" pitchFamily="50" charset="-128"/>
-              </a:rPr>
-              <a:t>@include</a:t>
-            </a:r>
-          </a:p>
-          <a:p>
-            <a:pPr lvl="1" eaLnBrk="0" hangingPunct="0"/>
-            <a:r>
-              <a:rPr lang="en-US" altLang="ja-JP" sz="1800" dirty="0" smtClean="0">
-                <a:solidFill>
-                  <a:prstClr val="black"/>
-                </a:solidFill>
-                <a:cs typeface="メイリオ" pitchFamily="50" charset="-128"/>
-              </a:rPr>
-              <a:t>@import</a:t>
-            </a:r>
-            <a:r>
-              <a:rPr lang="ja-JP" altLang="en-US" sz="1800" dirty="0" smtClean="0">
-                <a:solidFill>
-                  <a:prstClr val="black"/>
-                </a:solidFill>
-                <a:cs typeface="メイリオ" pitchFamily="50" charset="-128"/>
-              </a:rPr>
-              <a:t>とパーシャルを利用した</a:t>
-            </a:r>
-            <a:r>
-              <a:rPr lang="en-US" altLang="ja-JP" sz="1800" dirty="0" smtClean="0">
-                <a:solidFill>
-                  <a:prstClr val="black"/>
-                </a:solidFill>
-                <a:cs typeface="メイリオ" pitchFamily="50" charset="-128"/>
-              </a:rPr>
-              <a:t>CSS</a:t>
-            </a:r>
-            <a:r>
-              <a:rPr lang="ja-JP" altLang="en-US" sz="1800" dirty="0" smtClean="0">
-                <a:solidFill>
-                  <a:prstClr val="black"/>
-                </a:solidFill>
-                <a:cs typeface="メイリオ" pitchFamily="50" charset="-128"/>
-              </a:rPr>
-              <a:t>のコンポーネント化</a:t>
-            </a:r>
-            <a:endParaRPr lang="en-US" altLang="ja-JP" sz="1800" dirty="0" smtClean="0">
-              <a:solidFill>
-                <a:prstClr val="black"/>
-              </a:solidFill>
-              <a:cs typeface="メイリオ" pitchFamily="50" charset="-128"/>
-            </a:endParaRPr>
-          </a:p>
-          <a:p>
-            <a:pPr lvl="1" eaLnBrk="0" hangingPunct="0"/>
-            <a:r>
-              <a:rPr lang="ja-JP" altLang="en-US" sz="1800" dirty="0" smtClean="0">
-                <a:solidFill>
-                  <a:prstClr val="black"/>
-                </a:solidFill>
-                <a:cs typeface="メイリオ" pitchFamily="50" charset="-128"/>
-              </a:rPr>
-              <a:t>注意点</a:t>
-            </a:r>
-            <a:endParaRPr lang="en-US" altLang="ja-JP" sz="1800" dirty="0">
-              <a:solidFill>
-                <a:prstClr val="black"/>
-              </a:solidFill>
-              <a:cs typeface="メイリオ" pitchFamily="50" charset="-128"/>
-            </a:endParaRPr>
-          </a:p>
-          <a:p>
-            <a:pPr lvl="2" eaLnBrk="0" hangingPunct="0"/>
-            <a:r>
-              <a:rPr lang="ja-JP" altLang="en-US" sz="1600" dirty="0" smtClean="0">
-                <a:solidFill>
-                  <a:prstClr val="black"/>
-                </a:solidFill>
-                <a:cs typeface="メイリオ" pitchFamily="50" charset="-128"/>
-              </a:rPr>
-              <a:t>ネスト時の</a:t>
-            </a:r>
-            <a:r>
-              <a:rPr lang="en-US" altLang="ja-JP" sz="1600" dirty="0" smtClean="0">
-                <a:solidFill>
-                  <a:prstClr val="black"/>
-                </a:solidFill>
-                <a:cs typeface="メイリオ" pitchFamily="50" charset="-128"/>
-              </a:rPr>
-              <a:t>&amp;</a:t>
-            </a:r>
-            <a:r>
-              <a:rPr lang="ja-JP" altLang="en-US" sz="1600" dirty="0" smtClean="0">
-                <a:solidFill>
-                  <a:prstClr val="black"/>
-                </a:solidFill>
-                <a:cs typeface="メイリオ" pitchFamily="50" charset="-128"/>
-              </a:rPr>
-              <a:t>とスペース</a:t>
-            </a:r>
-            <a:endParaRPr lang="en-US" altLang="ja-JP" sz="1600" dirty="0" smtClean="0">
-              <a:solidFill>
-                <a:prstClr val="black"/>
-              </a:solidFill>
-              <a:cs typeface="メイリオ" pitchFamily="50" charset="-128"/>
-            </a:endParaRPr>
-          </a:p>
-          <a:p>
-            <a:pPr lvl="2" eaLnBrk="0" hangingPunct="0"/>
-            <a:r>
-              <a:rPr lang="ja-JP" altLang="en-US" sz="1600" dirty="0" smtClean="0">
-                <a:solidFill>
-                  <a:prstClr val="black"/>
-                </a:solidFill>
-                <a:cs typeface="メイリオ" pitchFamily="50" charset="-128"/>
-              </a:rPr>
-              <a:t>コンパイルした</a:t>
-            </a:r>
-            <a:r>
-              <a:rPr lang="en-US" altLang="ja-JP" sz="1600" dirty="0" smtClean="0">
-                <a:solidFill>
-                  <a:prstClr val="black"/>
-                </a:solidFill>
-                <a:cs typeface="メイリオ" pitchFamily="50" charset="-128"/>
-              </a:rPr>
-              <a:t>CSS</a:t>
-            </a:r>
-            <a:r>
-              <a:rPr lang="ja-JP" altLang="en-US" sz="1600" dirty="0" smtClean="0">
-                <a:solidFill>
-                  <a:prstClr val="black"/>
-                </a:solidFill>
-                <a:cs typeface="メイリオ" pitchFamily="50" charset="-128"/>
-              </a:rPr>
-              <a:t>を見る</a:t>
-            </a:r>
-            <a:endParaRPr lang="en-US" altLang="ja-JP" sz="1600" dirty="0">
-              <a:solidFill>
-                <a:prstClr val="black"/>
-              </a:solidFill>
-              <a:cs typeface="メイリオ" pitchFamily="50" charset="-128"/>
-            </a:endParaRPr>
-          </a:p>
-          <a:p>
             <a:pPr eaLnBrk="0" hangingPunct="0">
               <a:buClr>
                 <a:srgbClr val="1F58AD"/>
@@ -5114,11 +4223,7 @@
           <a:p>
             <a:r>
               <a:rPr lang="en-US" altLang="ja-JP" dirty="0" smtClean="0"/>
-              <a:t>© </a:t>
-            </a:r>
-            <a:r>
-              <a:rPr lang="en-US" altLang="ja-JP" dirty="0" smtClean="0"/>
-              <a:t>2017 Yayoi Co., Ltd.  All rights reserved.</a:t>
+              <a:t>© 2017 Yayoi Co., Ltd.  All rights reserved.</a:t>
             </a:r>
             <a:endParaRPr lang="en-US" altLang="ja-JP" dirty="0"/>
           </a:p>
@@ -5479,11 +4584,7 @@
           <a:p>
             <a:r>
               <a:rPr lang="en-US" altLang="ja-JP" dirty="0" smtClean="0"/>
-              <a:t>© </a:t>
-            </a:r>
-            <a:r>
-              <a:rPr lang="en-US" altLang="ja-JP" dirty="0" smtClean="0"/>
-              <a:t>2017 Yayoi Co., Ltd.  All rights reserved.</a:t>
+              <a:t>© 2017 Yayoi Co., Ltd.  All rights reserved.</a:t>
             </a:r>
             <a:endParaRPr lang="en-US" altLang="ja-JP" dirty="0"/>
           </a:p>
@@ -6112,11 +5213,7 @@
           <a:p>
             <a:r>
               <a:rPr lang="en-US" altLang="ja-JP" dirty="0" smtClean="0"/>
-              <a:t>© </a:t>
-            </a:r>
-            <a:r>
-              <a:rPr lang="en-US" altLang="ja-JP" dirty="0" smtClean="0"/>
-              <a:t>2017 Yayoi Co., Ltd.  All rights reserved.</a:t>
+              <a:t>© 2017 Yayoi Co., Ltd.  All rights reserved.</a:t>
             </a:r>
             <a:endParaRPr lang="en-US" altLang="ja-JP" dirty="0"/>
           </a:p>
@@ -6605,11 +5702,7 @@
           <a:p>
             <a:r>
               <a:rPr lang="en-US" altLang="ja-JP" dirty="0" smtClean="0"/>
-              <a:t>© </a:t>
-            </a:r>
-            <a:r>
-              <a:rPr lang="en-US" altLang="ja-JP" dirty="0" smtClean="0"/>
-              <a:t>2017 Yayoi Co., Ltd.  All rights reserved.</a:t>
+              <a:t>© 2017 Yayoi Co., Ltd.  All rights reserved.</a:t>
             </a:r>
             <a:endParaRPr lang="en-US" altLang="ja-JP" dirty="0"/>
           </a:p>
@@ -7443,11 +6536,7 @@
           <a:p>
             <a:r>
               <a:rPr lang="en-US" altLang="ja-JP" dirty="0" smtClean="0"/>
-              <a:t>© </a:t>
-            </a:r>
-            <a:r>
-              <a:rPr lang="en-US" altLang="ja-JP" dirty="0" smtClean="0"/>
-              <a:t>2017 Yayoi Co., Ltd.  All rights reserved.</a:t>
+              <a:t>© 2017 Yayoi Co., Ltd.  All rights reserved.</a:t>
             </a:r>
             <a:endParaRPr lang="en-US" altLang="ja-JP" dirty="0"/>
           </a:p>
@@ -8339,11 +7428,7 @@
           <a:p>
             <a:r>
               <a:rPr lang="en-US" altLang="ja-JP" dirty="0" smtClean="0"/>
-              <a:t>© </a:t>
-            </a:r>
-            <a:r>
-              <a:rPr lang="en-US" altLang="ja-JP" dirty="0" smtClean="0"/>
-              <a:t>2017 Yayoi Co., Ltd.  All rights reserved.</a:t>
+              <a:t>© 2017 Yayoi Co., Ltd.  All rights reserved.</a:t>
             </a:r>
             <a:endParaRPr lang="en-US" altLang="ja-JP" dirty="0"/>
           </a:p>
@@ -8694,1475 +7779,6 @@
     <p:extLst>
       <p:ext uri="{BB962C8B-B14F-4D97-AF65-F5344CB8AC3E}">
         <p14:creationId xmlns:p14="http://schemas.microsoft.com/office/powerpoint/2010/main" val="4016728485"/>
-      </p:ext>
-    </p:extLst>
-  </p:cSld>
-  <p:clrMapOvr>
-    <a:masterClrMapping/>
-  </p:clrMapOvr>
-  <p:timing>
-    <p:tnLst>
-      <p:par>
-        <p:cTn id="1" dur="indefinite" restart="never" nodeType="tmRoot"/>
-      </p:par>
-    </p:tnLst>
-  </p:timing>
-</p:sld>
-</file>
-
-<file path=ppt/slides/slide8.xml><?xml version="1.0" encoding="utf-8"?>
-<p:sld xmlns:a="http://schemas.openxmlformats.org/drawingml/2006/main" xmlns:r="http://schemas.openxmlformats.org/officeDocument/2006/relationships" xmlns:p="http://schemas.openxmlformats.org/presentationml/2006/main">
-  <p:cSld>
-    <p:spTree>
-      <p:nvGrpSpPr>
-        <p:cNvPr id="1" name=""/>
-        <p:cNvGrpSpPr/>
-        <p:nvPr/>
-      </p:nvGrpSpPr>
-      <p:grpSpPr>
-        <a:xfrm>
-          <a:off x="0" y="0"/>
-          <a:ext cx="0" cy="0"/>
-          <a:chOff x="0" y="0"/>
-          <a:chExt cx="0" cy="0"/>
-        </a:xfrm>
-      </p:grpSpPr>
-      <p:sp>
-        <p:nvSpPr>
-          <p:cNvPr id="4" name="タイトル 3"/>
-          <p:cNvSpPr>
-            <a:spLocks noGrp="1"/>
-          </p:cNvSpPr>
-          <p:nvPr>
-            <p:ph type="ctrTitle"/>
-          </p:nvPr>
-        </p:nvSpPr>
-        <p:spPr/>
-        <p:txBody>
-          <a:bodyPr/>
-          <a:lstStyle/>
-          <a:p>
-            <a:r>
-              <a:rPr lang="en-US" altLang="ja-JP" dirty="0" smtClean="0">
-                <a:solidFill>
-                  <a:prstClr val="black"/>
-                </a:solidFill>
-                <a:cs typeface="メイリオ" pitchFamily="50" charset="-128"/>
-              </a:rPr>
-              <a:t>Sass</a:t>
-            </a:r>
-            <a:r>
-              <a:rPr lang="ja-JP" altLang="en-US" dirty="0" smtClean="0">
-                <a:solidFill>
-                  <a:prstClr val="black"/>
-                </a:solidFill>
-                <a:cs typeface="メイリオ" pitchFamily="50" charset="-128"/>
-              </a:rPr>
-              <a:t>の基本機能</a:t>
-            </a:r>
-            <a:r>
-              <a:rPr lang="en-US" altLang="ja-JP" dirty="0" smtClean="0">
-                <a:solidFill>
-                  <a:prstClr val="black"/>
-                </a:solidFill>
-                <a:cs typeface="メイリオ" pitchFamily="50" charset="-128"/>
-              </a:rPr>
-              <a:t/>
-            </a:r>
-            <a:br>
-              <a:rPr lang="en-US" altLang="ja-JP" dirty="0" smtClean="0">
-                <a:solidFill>
-                  <a:prstClr val="black"/>
-                </a:solidFill>
-                <a:cs typeface="メイリオ" pitchFamily="50" charset="-128"/>
-              </a:rPr>
-            </a:br>
-            <a:r>
-              <a:rPr lang="ja-JP" altLang="en-US" sz="2400" b="0" dirty="0" smtClean="0">
-                <a:solidFill>
-                  <a:prstClr val="black"/>
-                </a:solidFill>
-                <a:cs typeface="メイリオ" pitchFamily="50" charset="-128"/>
-              </a:rPr>
-              <a:t>　～コメントの利用～</a:t>
-            </a:r>
-            <a:endParaRPr kumimoji="1" lang="ja-JP" altLang="en-US" sz="2400" b="0" dirty="0"/>
-          </a:p>
-        </p:txBody>
-      </p:sp>
-      <p:sp>
-        <p:nvSpPr>
-          <p:cNvPr id="8" name="スライド番号プレースホルダ 5"/>
-          <p:cNvSpPr>
-            <a:spLocks noGrp="1"/>
-          </p:cNvSpPr>
-          <p:nvPr>
-            <p:ph type="sldNum" sz="quarter" idx="12"/>
-          </p:nvPr>
-        </p:nvSpPr>
-        <p:spPr>
-          <a:xfrm>
-            <a:off x="206516" y="6489340"/>
-            <a:ext cx="630070" cy="225025"/>
-          </a:xfrm>
-          <a:prstGeom prst="rect">
-            <a:avLst/>
-          </a:prstGeom>
-        </p:spPr>
-        <p:txBody>
-          <a:bodyPr/>
-          <a:lstStyle>
-            <a:lvl1pPr>
-              <a:defRPr sz="1000">
-                <a:solidFill>
-                  <a:schemeClr val="bg1"/>
-                </a:solidFill>
-                <a:latin typeface="Arial" pitchFamily="34" charset="0"/>
-                <a:ea typeface="HGSｺﾞｼｯｸE" pitchFamily="50" charset="-128"/>
-                <a:cs typeface="Arial" pitchFamily="34" charset="0"/>
-              </a:defRPr>
-            </a:lvl1pPr>
-          </a:lstStyle>
-          <a:p>
-            <a:fld id="{E06F8C22-DD7A-40A6-8D32-0B1A0AF740E1}" type="slidenum">
-              <a:rPr lang="ja-JP" altLang="en-US" smtClean="0"/>
-              <a:pPr/>
-              <a:t>8</a:t>
-            </a:fld>
-            <a:endParaRPr lang="en-US" altLang="ja-JP" dirty="0"/>
-          </a:p>
-        </p:txBody>
-      </p:sp>
-      <p:sp>
-        <p:nvSpPr>
-          <p:cNvPr id="10" name="Rectangle 5"/>
-          <p:cNvSpPr>
-            <a:spLocks noGrp="1" noChangeArrowheads="1"/>
-          </p:cNvSpPr>
-          <p:nvPr>
-            <p:ph type="ftr" sz="quarter" idx="11"/>
-          </p:nvPr>
-        </p:nvSpPr>
-        <p:spPr>
-          <a:xfrm>
-            <a:off x="2906815" y="6489340"/>
-            <a:ext cx="3375375" cy="225025"/>
-          </a:xfrm>
-          <a:prstGeom prst="rect">
-            <a:avLst/>
-          </a:prstGeom>
-        </p:spPr>
-        <p:txBody>
-          <a:bodyPr/>
-          <a:lstStyle>
-            <a:lvl1pPr algn="ctr">
-              <a:defRPr sz="1000">
-                <a:solidFill>
-                  <a:schemeClr val="bg1"/>
-                </a:solidFill>
-                <a:latin typeface="Arial" charset="0"/>
-              </a:defRPr>
-            </a:lvl1pPr>
-          </a:lstStyle>
-          <a:p>
-            <a:r>
-              <a:rPr lang="en-US" altLang="ja-JP" dirty="0" smtClean="0"/>
-              <a:t>© </a:t>
-            </a:r>
-            <a:r>
-              <a:rPr lang="en-US" altLang="ja-JP" dirty="0" smtClean="0"/>
-              <a:t>2017 Yayoi Co., Ltd.  All rights reserved.</a:t>
-            </a:r>
-            <a:endParaRPr lang="en-US" altLang="ja-JP" dirty="0"/>
-          </a:p>
-        </p:txBody>
-      </p:sp>
-      <p:sp>
-        <p:nvSpPr>
-          <p:cNvPr id="7" name="コンテンツ プレースホルダー 4"/>
-          <p:cNvSpPr txBox="1">
-            <a:spLocks/>
-          </p:cNvSpPr>
-          <p:nvPr/>
-        </p:nvSpPr>
-        <p:spPr>
-          <a:xfrm>
-            <a:off x="323528" y="980728"/>
-            <a:ext cx="8496944" cy="5328592"/>
-          </a:xfrm>
-          <a:prstGeom prst="rect">
-            <a:avLst/>
-          </a:prstGeom>
-        </p:spPr>
-        <p:txBody>
-          <a:bodyPr lIns="80165" tIns="40083" rIns="80165" bIns="40083"/>
-          <a:lstStyle>
-            <a:lvl1pPr marL="288000" indent="-288000" algn="l" defTabSz="435622" rtl="0" eaLnBrk="1" fontAlgn="base" hangingPunct="1">
-              <a:spcBef>
-                <a:spcPct val="20000"/>
-              </a:spcBef>
-              <a:spcAft>
-                <a:spcPct val="0"/>
-              </a:spcAft>
-              <a:buClr>
-                <a:srgbClr val="005BAC"/>
-              </a:buClr>
-              <a:buSzPct val="100000"/>
-              <a:buFont typeface="Wingdings" pitchFamily="2" charset="2"/>
-              <a:buChar char="n"/>
-              <a:defRPr kumimoji="1" sz="2400" kern="1200" baseline="0">
-                <a:solidFill>
-                  <a:schemeClr val="tx1"/>
-                </a:solidFill>
-                <a:latin typeface="Arial" panose="020B0604020202020204" pitchFamily="34" charset="0"/>
-                <a:ea typeface="HGSｺﾞｼｯｸE" panose="020B0900000000000000" pitchFamily="50" charset="-128"/>
-                <a:cs typeface="Arial" panose="020B0604020202020204" pitchFamily="34" charset="0"/>
-              </a:defRPr>
-            </a:lvl1pPr>
-            <a:lvl2pPr marL="612000" indent="-288000" algn="l" defTabSz="435622" rtl="0" eaLnBrk="1" fontAlgn="base" hangingPunct="1">
-              <a:spcBef>
-                <a:spcPct val="20000"/>
-              </a:spcBef>
-              <a:spcAft>
-                <a:spcPct val="0"/>
-              </a:spcAft>
-              <a:buClr>
-                <a:srgbClr val="005BAC"/>
-              </a:buClr>
-              <a:buFont typeface="Wingdings" pitchFamily="2" charset="2"/>
-              <a:buChar char="u"/>
-              <a:defRPr kumimoji="1" sz="2000" kern="1200" baseline="0">
-                <a:solidFill>
-                  <a:schemeClr val="tx1"/>
-                </a:solidFill>
-                <a:latin typeface="Arial" panose="020B0604020202020204" pitchFamily="34" charset="0"/>
-                <a:ea typeface="HGSｺﾞｼｯｸE" panose="020B0900000000000000" pitchFamily="50" charset="-128"/>
-                <a:cs typeface="Arial" panose="020B0604020202020204" pitchFamily="34" charset="0"/>
-              </a:defRPr>
-            </a:lvl2pPr>
-            <a:lvl3pPr marL="936000" indent="-252000" algn="l" defTabSz="435622" rtl="0" eaLnBrk="1" fontAlgn="base" hangingPunct="1">
-              <a:spcBef>
-                <a:spcPct val="20000"/>
-              </a:spcBef>
-              <a:spcAft>
-                <a:spcPct val="0"/>
-              </a:spcAft>
-              <a:buClr>
-                <a:srgbClr val="005BAC"/>
-              </a:buClr>
-              <a:buFont typeface="Arial" pitchFamily="34" charset="0"/>
-              <a:buChar char="•"/>
-              <a:defRPr kumimoji="1" sz="1800" kern="1200" baseline="0">
-                <a:solidFill>
-                  <a:schemeClr val="tx1"/>
-                </a:solidFill>
-                <a:latin typeface="Arial" panose="020B0604020202020204" pitchFamily="34" charset="0"/>
-                <a:ea typeface="HGSｺﾞｼｯｸE" panose="020B0900000000000000" pitchFamily="50" charset="-128"/>
-                <a:cs typeface="Arial" panose="020B0604020202020204" pitchFamily="34" charset="0"/>
-              </a:defRPr>
-            </a:lvl3pPr>
-            <a:lvl4pPr marL="1526763" indent="-217115" algn="l" defTabSz="435622" rtl="0" eaLnBrk="1" fontAlgn="base" hangingPunct="1">
-              <a:spcBef>
-                <a:spcPct val="20000"/>
-              </a:spcBef>
-              <a:spcAft>
-                <a:spcPct val="0"/>
-              </a:spcAft>
-              <a:buClr>
-                <a:schemeClr val="tx2">
-                  <a:lumMod val="60000"/>
-                  <a:lumOff val="40000"/>
-                </a:schemeClr>
-              </a:buClr>
-              <a:buFont typeface="Calibri" pitchFamily="34" charset="0"/>
-              <a:buNone/>
-              <a:defRPr kumimoji="1" sz="2100" kern="1200">
-                <a:solidFill>
-                  <a:schemeClr val="tx1"/>
-                </a:solidFill>
-                <a:latin typeface="+mn-lt"/>
-                <a:ea typeface="+mn-ea"/>
-                <a:cs typeface="+mn-cs"/>
-              </a:defRPr>
-            </a:lvl4pPr>
-            <a:lvl5pPr marL="1962383" indent="-217115" algn="l" defTabSz="435622" rtl="0" eaLnBrk="1" fontAlgn="base" hangingPunct="1">
-              <a:spcBef>
-                <a:spcPct val="20000"/>
-              </a:spcBef>
-              <a:spcAft>
-                <a:spcPct val="0"/>
-              </a:spcAft>
-              <a:buClr>
-                <a:schemeClr val="tx2">
-                  <a:lumMod val="60000"/>
-                  <a:lumOff val="40000"/>
-                </a:schemeClr>
-              </a:buClr>
-              <a:buFont typeface="Calibri" pitchFamily="34" charset="0"/>
-              <a:buNone/>
-              <a:defRPr kumimoji="1" sz="2100" kern="1200">
-                <a:solidFill>
-                  <a:schemeClr val="tx1"/>
-                </a:solidFill>
-                <a:latin typeface="+mn-lt"/>
-                <a:ea typeface="+mn-ea"/>
-                <a:cs typeface="+mn-cs"/>
-              </a:defRPr>
-            </a:lvl5pPr>
-            <a:lvl6pPr marL="2400093" indent="-218190" algn="l" defTabSz="436381" rtl="0" eaLnBrk="1" latinLnBrk="0" hangingPunct="1">
-              <a:spcBef>
-                <a:spcPct val="20000"/>
-              </a:spcBef>
-              <a:buFont typeface="Arial"/>
-              <a:buChar char="•"/>
-              <a:defRPr kumimoji="1" sz="1900" kern="1200">
-                <a:solidFill>
-                  <a:schemeClr val="tx1"/>
-                </a:solidFill>
-                <a:latin typeface="+mn-lt"/>
-                <a:ea typeface="+mn-ea"/>
-                <a:cs typeface="+mn-cs"/>
-              </a:defRPr>
-            </a:lvl6pPr>
-            <a:lvl7pPr marL="2836474" indent="-218190" algn="l" defTabSz="436381" rtl="0" eaLnBrk="1" latinLnBrk="0" hangingPunct="1">
-              <a:spcBef>
-                <a:spcPct val="20000"/>
-              </a:spcBef>
-              <a:buFont typeface="Arial"/>
-              <a:buChar char="•"/>
-              <a:defRPr kumimoji="1" sz="1900" kern="1200">
-                <a:solidFill>
-                  <a:schemeClr val="tx1"/>
-                </a:solidFill>
-                <a:latin typeface="+mn-lt"/>
-                <a:ea typeface="+mn-ea"/>
-                <a:cs typeface="+mn-cs"/>
-              </a:defRPr>
-            </a:lvl7pPr>
-            <a:lvl8pPr marL="3272854" indent="-218190" algn="l" defTabSz="436381" rtl="0" eaLnBrk="1" latinLnBrk="0" hangingPunct="1">
-              <a:spcBef>
-                <a:spcPct val="20000"/>
-              </a:spcBef>
-              <a:buFont typeface="Arial"/>
-              <a:buChar char="•"/>
-              <a:defRPr kumimoji="1" sz="1900" kern="1200">
-                <a:solidFill>
-                  <a:schemeClr val="tx1"/>
-                </a:solidFill>
-                <a:latin typeface="+mn-lt"/>
-                <a:ea typeface="+mn-ea"/>
-                <a:cs typeface="+mn-cs"/>
-              </a:defRPr>
-            </a:lvl8pPr>
-            <a:lvl9pPr marL="3709235" indent="-218190" algn="l" defTabSz="436381" rtl="0" eaLnBrk="1" latinLnBrk="0" hangingPunct="1">
-              <a:spcBef>
-                <a:spcPct val="20000"/>
-              </a:spcBef>
-              <a:buFont typeface="Arial"/>
-              <a:buChar char="•"/>
-              <a:defRPr kumimoji="1" sz="1900" kern="1200">
-                <a:solidFill>
-                  <a:schemeClr val="tx1"/>
-                </a:solidFill>
-                <a:latin typeface="+mn-lt"/>
-                <a:ea typeface="+mn-ea"/>
-                <a:cs typeface="+mn-cs"/>
-              </a:defRPr>
-            </a:lvl9pPr>
-          </a:lstStyle>
-          <a:p>
-            <a:pPr eaLnBrk="0" hangingPunct="0"/>
-            <a:r>
-              <a:rPr lang="ja-JP" altLang="en-US" sz="2000" dirty="0" smtClean="0">
-                <a:solidFill>
-                  <a:prstClr val="black"/>
-                </a:solidFill>
-                <a:cs typeface="メイリオ" pitchFamily="50" charset="-128"/>
-              </a:rPr>
-              <a:t>コメントの種類</a:t>
-            </a:r>
-            <a:endParaRPr lang="en-US" altLang="ja-JP" sz="2000" dirty="0" smtClean="0">
-              <a:solidFill>
-                <a:prstClr val="black"/>
-              </a:solidFill>
-              <a:cs typeface="メイリオ" pitchFamily="50" charset="-128"/>
-            </a:endParaRPr>
-          </a:p>
-          <a:p>
-            <a:pPr lvl="1" eaLnBrk="0" hangingPunct="0"/>
-            <a:r>
-              <a:rPr lang="en-US" altLang="ja-JP" sz="1800" dirty="0" smtClean="0">
-                <a:solidFill>
-                  <a:prstClr val="black"/>
-                </a:solidFill>
-                <a:cs typeface="メイリオ" pitchFamily="50" charset="-128"/>
-              </a:rPr>
-              <a:t>1</a:t>
-            </a:r>
-            <a:r>
-              <a:rPr lang="ja-JP" altLang="en-US" sz="1800" dirty="0" smtClean="0">
-                <a:solidFill>
-                  <a:prstClr val="black"/>
-                </a:solidFill>
-                <a:cs typeface="メイリオ" pitchFamily="50" charset="-128"/>
-              </a:rPr>
-              <a:t>行コメント</a:t>
-            </a:r>
-            <a:endParaRPr lang="en-US" altLang="ja-JP" sz="1800" dirty="0" smtClean="0">
-              <a:solidFill>
-                <a:prstClr val="black"/>
-              </a:solidFill>
-              <a:cs typeface="メイリオ" pitchFamily="50" charset="-128"/>
-            </a:endParaRPr>
-          </a:p>
-          <a:p>
-            <a:pPr marL="0" indent="0" eaLnBrk="0" hangingPunct="0">
-              <a:buNone/>
-            </a:pPr>
-            <a:r>
-              <a:rPr lang="ja-JP" altLang="en-US" sz="1800" dirty="0" smtClean="0">
-                <a:solidFill>
-                  <a:prstClr val="black"/>
-                </a:solidFill>
-                <a:cs typeface="メイリオ" pitchFamily="50" charset="-128"/>
-              </a:rPr>
-              <a:t>　　</a:t>
-            </a:r>
-            <a:r>
-              <a:rPr lang="en-US" altLang="ja-JP" sz="1800" dirty="0" smtClean="0">
-                <a:solidFill>
-                  <a:prstClr val="black"/>
-                </a:solidFill>
-                <a:cs typeface="メイリオ" pitchFamily="50" charset="-128"/>
-              </a:rPr>
-              <a:t>//</a:t>
-            </a:r>
-            <a:r>
-              <a:rPr lang="ja-JP" altLang="en-US" sz="1800" dirty="0" smtClean="0">
-                <a:solidFill>
-                  <a:prstClr val="black"/>
-                </a:solidFill>
-                <a:cs typeface="メイリオ" pitchFamily="50" charset="-128"/>
-              </a:rPr>
-              <a:t>コメント　</a:t>
-            </a:r>
-            <a:r>
-              <a:rPr lang="en-US" altLang="ja-JP" sz="1800" dirty="0" smtClean="0">
-                <a:solidFill>
-                  <a:prstClr val="black"/>
-                </a:solidFill>
-                <a:cs typeface="メイリオ" pitchFamily="50" charset="-128"/>
-              </a:rPr>
-              <a:t>※CSS</a:t>
-            </a:r>
-            <a:r>
-              <a:rPr lang="ja-JP" altLang="en-US" sz="1800" dirty="0" smtClean="0">
-                <a:solidFill>
-                  <a:prstClr val="black"/>
-                </a:solidFill>
-                <a:cs typeface="メイリオ" pitchFamily="50" charset="-128"/>
-              </a:rPr>
-              <a:t>コンパイル後は削除される</a:t>
-            </a:r>
-            <a:endParaRPr lang="en-US" altLang="ja-JP" sz="1800" dirty="0" smtClean="0">
-              <a:solidFill>
-                <a:prstClr val="black"/>
-              </a:solidFill>
-              <a:cs typeface="メイリオ" pitchFamily="50" charset="-128"/>
-            </a:endParaRPr>
-          </a:p>
-          <a:p>
-            <a:pPr lvl="1" eaLnBrk="0" hangingPunct="0"/>
-            <a:r>
-              <a:rPr lang="ja-JP" altLang="en-US" sz="1800" dirty="0">
-                <a:solidFill>
-                  <a:prstClr val="black"/>
-                </a:solidFill>
-                <a:cs typeface="メイリオ" pitchFamily="50" charset="-128"/>
-              </a:rPr>
-              <a:t>複</a:t>
-            </a:r>
-            <a:r>
-              <a:rPr lang="ja-JP" altLang="en-US" sz="1800" dirty="0" smtClean="0">
-                <a:solidFill>
-                  <a:prstClr val="black"/>
-                </a:solidFill>
-                <a:cs typeface="メイリオ" pitchFamily="50" charset="-128"/>
-              </a:rPr>
-              <a:t>数行コメント</a:t>
-            </a:r>
-            <a:endParaRPr lang="en-US" altLang="ja-JP" sz="1800" dirty="0" smtClean="0">
-              <a:solidFill>
-                <a:prstClr val="black"/>
-              </a:solidFill>
-              <a:cs typeface="メイリオ" pitchFamily="50" charset="-128"/>
-            </a:endParaRPr>
-          </a:p>
-          <a:p>
-            <a:pPr marL="0" indent="0" eaLnBrk="0" hangingPunct="0">
-              <a:buNone/>
-            </a:pPr>
-            <a:r>
-              <a:rPr lang="ja-JP" altLang="en-US" sz="1800" dirty="0">
-                <a:solidFill>
-                  <a:prstClr val="black"/>
-                </a:solidFill>
-                <a:cs typeface="メイリオ" pitchFamily="50" charset="-128"/>
-              </a:rPr>
-              <a:t>　</a:t>
-            </a:r>
-            <a:r>
-              <a:rPr lang="ja-JP" altLang="en-US" sz="1800" dirty="0" smtClean="0">
-                <a:solidFill>
-                  <a:prstClr val="black"/>
-                </a:solidFill>
-                <a:cs typeface="メイリオ" pitchFamily="50" charset="-128"/>
-              </a:rPr>
-              <a:t>　</a:t>
-            </a:r>
-            <a:r>
-              <a:rPr lang="en-US" altLang="ja-JP" sz="1800" dirty="0" smtClean="0">
-                <a:solidFill>
-                  <a:prstClr val="black"/>
-                </a:solidFill>
-                <a:cs typeface="メイリオ" pitchFamily="50" charset="-128"/>
-              </a:rPr>
-              <a:t>/* </a:t>
-            </a:r>
-            <a:r>
-              <a:rPr lang="ja-JP" altLang="en-US" sz="1800" dirty="0" smtClean="0">
-                <a:solidFill>
-                  <a:prstClr val="black"/>
-                </a:solidFill>
-                <a:cs typeface="メイリオ" pitchFamily="50" charset="-128"/>
-              </a:rPr>
-              <a:t>コメント </a:t>
-            </a:r>
-            <a:r>
-              <a:rPr lang="en-US" altLang="ja-JP" sz="1800" dirty="0" smtClean="0">
-                <a:solidFill>
-                  <a:prstClr val="black"/>
-                </a:solidFill>
-                <a:cs typeface="メイリオ" pitchFamily="50" charset="-128"/>
-              </a:rPr>
-              <a:t>*/</a:t>
-            </a:r>
-          </a:p>
-          <a:p>
-            <a:pPr marL="0" indent="0" eaLnBrk="0" hangingPunct="0">
-              <a:buNone/>
-            </a:pPr>
-            <a:endParaRPr lang="en-US" altLang="ja-JP" sz="1800" dirty="0" smtClean="0">
-              <a:solidFill>
-                <a:prstClr val="black"/>
-              </a:solidFill>
-              <a:cs typeface="メイリオ" pitchFamily="50" charset="-128"/>
-            </a:endParaRPr>
-          </a:p>
-          <a:p>
-            <a:pPr eaLnBrk="0" hangingPunct="0"/>
-            <a:r>
-              <a:rPr lang="en-US" altLang="ja-JP" sz="2000" dirty="0">
-                <a:solidFill>
-                  <a:prstClr val="black"/>
-                </a:solidFill>
-                <a:cs typeface="メイリオ" pitchFamily="50" charset="-128"/>
-              </a:rPr>
-              <a:t>c</a:t>
-            </a:r>
-            <a:r>
-              <a:rPr lang="en-US" altLang="ja-JP" sz="2000" dirty="0" smtClean="0">
-                <a:solidFill>
-                  <a:prstClr val="black"/>
-                </a:solidFill>
-                <a:cs typeface="メイリオ" pitchFamily="50" charset="-128"/>
-              </a:rPr>
-              <a:t>ompressed</a:t>
-            </a:r>
-            <a:r>
-              <a:rPr lang="ja-JP" altLang="en-US" sz="2000" dirty="0" smtClean="0">
-                <a:solidFill>
-                  <a:prstClr val="black"/>
-                </a:solidFill>
-                <a:cs typeface="メイリオ" pitchFamily="50" charset="-128"/>
-              </a:rPr>
-              <a:t>モードでコンパイルするとコメントは削除される</a:t>
-            </a:r>
-            <a:endParaRPr lang="en-US" altLang="ja-JP" sz="2000" dirty="0" smtClean="0">
-              <a:solidFill>
-                <a:prstClr val="black"/>
-              </a:solidFill>
-              <a:cs typeface="メイリオ" pitchFamily="50" charset="-128"/>
-            </a:endParaRPr>
-          </a:p>
-        </p:txBody>
-      </p:sp>
-    </p:spTree>
-    <p:extLst>
-      <p:ext uri="{BB962C8B-B14F-4D97-AF65-F5344CB8AC3E}">
-        <p14:creationId xmlns:p14="http://schemas.microsoft.com/office/powerpoint/2010/main" val="3179043309"/>
-      </p:ext>
-    </p:extLst>
-  </p:cSld>
-  <p:clrMapOvr>
-    <a:masterClrMapping/>
-  </p:clrMapOvr>
-  <p:timing>
-    <p:tnLst>
-      <p:par>
-        <p:cTn id="1" dur="indefinite" restart="never" nodeType="tmRoot"/>
-      </p:par>
-    </p:tnLst>
-  </p:timing>
-</p:sld>
-</file>
-
-<file path=ppt/slides/slide9.xml><?xml version="1.0" encoding="utf-8"?>
-<p:sld xmlns:a="http://schemas.openxmlformats.org/drawingml/2006/main" xmlns:r="http://schemas.openxmlformats.org/officeDocument/2006/relationships" xmlns:p="http://schemas.openxmlformats.org/presentationml/2006/main">
-  <p:cSld>
-    <p:spTree>
-      <p:nvGrpSpPr>
-        <p:cNvPr id="1" name=""/>
-        <p:cNvGrpSpPr/>
-        <p:nvPr/>
-      </p:nvGrpSpPr>
-      <p:grpSpPr>
-        <a:xfrm>
-          <a:off x="0" y="0"/>
-          <a:ext cx="0" cy="0"/>
-          <a:chOff x="0" y="0"/>
-          <a:chExt cx="0" cy="0"/>
-        </a:xfrm>
-      </p:grpSpPr>
-      <p:sp>
-        <p:nvSpPr>
-          <p:cNvPr id="4" name="タイトル 3"/>
-          <p:cNvSpPr>
-            <a:spLocks noGrp="1"/>
-          </p:cNvSpPr>
-          <p:nvPr>
-            <p:ph type="ctrTitle"/>
-          </p:nvPr>
-        </p:nvSpPr>
-        <p:spPr/>
-        <p:txBody>
-          <a:bodyPr/>
-          <a:lstStyle/>
-          <a:p>
-            <a:pPr lvl="1" algn="l"/>
-            <a:r>
-              <a:rPr lang="en-US" altLang="ja-JP" sz="3200" dirty="0" smtClean="0">
-                <a:solidFill>
-                  <a:prstClr val="black"/>
-                </a:solidFill>
-                <a:latin typeface="+mj-lt"/>
-                <a:ea typeface="+mj-ea"/>
-                <a:cs typeface="メイリオ" pitchFamily="50" charset="-128"/>
-              </a:rPr>
-              <a:t>Sass</a:t>
-            </a:r>
-            <a:r>
-              <a:rPr lang="ja-JP" altLang="en-US" sz="3200" dirty="0" smtClean="0">
-                <a:solidFill>
-                  <a:prstClr val="black"/>
-                </a:solidFill>
-                <a:latin typeface="+mj-ea"/>
-                <a:ea typeface="+mj-ea"/>
-                <a:cs typeface="メイリオ" pitchFamily="50" charset="-128"/>
-              </a:rPr>
-              <a:t>の基本機能</a:t>
-            </a:r>
-            <a:r>
-              <a:rPr lang="en-US" altLang="ja-JP" dirty="0" smtClean="0">
-                <a:solidFill>
-                  <a:prstClr val="black"/>
-                </a:solidFill>
-                <a:cs typeface="メイリオ" pitchFamily="50" charset="-128"/>
-              </a:rPr>
-              <a:t/>
-            </a:r>
-            <a:br>
-              <a:rPr lang="en-US" altLang="ja-JP" dirty="0" smtClean="0">
-                <a:solidFill>
-                  <a:prstClr val="black"/>
-                </a:solidFill>
-                <a:cs typeface="メイリオ" pitchFamily="50" charset="-128"/>
-              </a:rPr>
-            </a:br>
-            <a:r>
-              <a:rPr lang="ja-JP" altLang="en-US" sz="2400" b="0" dirty="0" smtClean="0">
-                <a:solidFill>
-                  <a:prstClr val="black"/>
-                </a:solidFill>
-                <a:cs typeface="メイリオ" pitchFamily="50" charset="-128"/>
-              </a:rPr>
-              <a:t>　～</a:t>
-            </a:r>
-            <a:r>
-              <a:rPr lang="en-US" altLang="ja-JP" sz="2400" dirty="0">
-                <a:solidFill>
-                  <a:prstClr val="black"/>
-                </a:solidFill>
-                <a:latin typeface="+mj-lt"/>
-                <a:cs typeface="メイリオ" pitchFamily="50" charset="-128"/>
-              </a:rPr>
-              <a:t>@</a:t>
-            </a:r>
-            <a:r>
-              <a:rPr lang="en-US" altLang="ja-JP" sz="2400" dirty="0" err="1">
-                <a:solidFill>
-                  <a:prstClr val="black"/>
-                </a:solidFill>
-                <a:latin typeface="+mj-lt"/>
-                <a:cs typeface="メイリオ" pitchFamily="50" charset="-128"/>
-              </a:rPr>
-              <a:t>mixin</a:t>
-            </a:r>
-            <a:r>
-              <a:rPr lang="ja-JP" altLang="en-US" sz="2400" dirty="0">
-                <a:solidFill>
-                  <a:prstClr val="black"/>
-                </a:solidFill>
-                <a:latin typeface="+mj-lt"/>
-                <a:cs typeface="メイリオ" pitchFamily="50" charset="-128"/>
-              </a:rPr>
-              <a:t>と</a:t>
-            </a:r>
-            <a:r>
-              <a:rPr lang="en-US" altLang="ja-JP" sz="2400" dirty="0">
-                <a:solidFill>
-                  <a:prstClr val="black"/>
-                </a:solidFill>
-                <a:latin typeface="+mj-lt"/>
-                <a:cs typeface="メイリオ" pitchFamily="50" charset="-128"/>
-              </a:rPr>
-              <a:t>@</a:t>
-            </a:r>
-            <a:r>
-              <a:rPr lang="en-US" altLang="ja-JP" sz="2400" dirty="0" smtClean="0">
-                <a:solidFill>
-                  <a:prstClr val="black"/>
-                </a:solidFill>
-                <a:latin typeface="+mj-lt"/>
-                <a:cs typeface="メイリオ" pitchFamily="50" charset="-128"/>
-              </a:rPr>
-              <a:t>include</a:t>
-            </a:r>
-            <a:r>
-              <a:rPr lang="ja-JP" altLang="en-US" sz="2400" b="0" dirty="0" smtClean="0">
-                <a:solidFill>
-                  <a:prstClr val="black"/>
-                </a:solidFill>
-                <a:cs typeface="メイリオ" pitchFamily="50" charset="-128"/>
-              </a:rPr>
-              <a:t>～</a:t>
-            </a:r>
-            <a:endParaRPr kumimoji="1" lang="ja-JP" altLang="en-US" sz="2400" b="0" dirty="0"/>
-          </a:p>
-        </p:txBody>
-      </p:sp>
-      <p:sp>
-        <p:nvSpPr>
-          <p:cNvPr id="5" name="コンテンツ プレースホルダー 4"/>
-          <p:cNvSpPr>
-            <a:spLocks noGrp="1"/>
-          </p:cNvSpPr>
-          <p:nvPr>
-            <p:ph idx="1"/>
-          </p:nvPr>
-        </p:nvSpPr>
-        <p:spPr>
-          <a:xfrm>
-            <a:off x="341530" y="1124744"/>
-            <a:ext cx="4140460" cy="5139570"/>
-          </a:xfrm>
-        </p:spPr>
-        <p:txBody>
-          <a:bodyPr/>
-          <a:lstStyle/>
-          <a:p>
-            <a:pPr lvl="0" eaLnBrk="0" hangingPunct="0"/>
-            <a:r>
-              <a:rPr lang="en-US" altLang="ja-JP" sz="2000" dirty="0" smtClean="0">
-                <a:solidFill>
-                  <a:prstClr val="black"/>
-                </a:solidFill>
-                <a:cs typeface="メイリオ" pitchFamily="50" charset="-128"/>
-              </a:rPr>
-              <a:t>CSS</a:t>
-            </a:r>
-          </a:p>
-          <a:p>
-            <a:pPr marL="0" lvl="0" indent="0" eaLnBrk="0" hangingPunct="0">
-              <a:buNone/>
-            </a:pPr>
-            <a:r>
-              <a:rPr lang="en-US" altLang="ja-JP" sz="2000" dirty="0">
-                <a:solidFill>
-                  <a:prstClr val="black"/>
-                </a:solidFill>
-                <a:cs typeface="メイリオ" pitchFamily="50" charset="-128"/>
-              </a:rPr>
-              <a:t>.</a:t>
-            </a:r>
-            <a:r>
-              <a:rPr lang="en-US" altLang="ja-JP" sz="2000" dirty="0" err="1" smtClean="0">
-                <a:solidFill>
-                  <a:prstClr val="black"/>
-                </a:solidFill>
-                <a:cs typeface="メイリオ" pitchFamily="50" charset="-128"/>
-              </a:rPr>
-              <a:t>body__header</a:t>
-            </a:r>
-            <a:r>
-              <a:rPr lang="en-US" altLang="ja-JP" sz="2000" dirty="0" smtClean="0">
-                <a:solidFill>
-                  <a:prstClr val="black"/>
-                </a:solidFill>
-                <a:cs typeface="メイリオ" pitchFamily="50" charset="-128"/>
-              </a:rPr>
-              <a:t> {</a:t>
-            </a:r>
-          </a:p>
-          <a:p>
-            <a:pPr marL="0" lvl="0" indent="0" eaLnBrk="0" hangingPunct="0">
-              <a:buNone/>
-            </a:pPr>
-            <a:r>
-              <a:rPr lang="en-US" altLang="ja-JP" sz="2000" dirty="0" smtClean="0">
-                <a:solidFill>
-                  <a:prstClr val="black"/>
-                </a:solidFill>
-                <a:cs typeface="メイリオ" pitchFamily="50" charset="-128"/>
-              </a:rPr>
-              <a:t>    color: #005BAC;</a:t>
-            </a:r>
-            <a:endParaRPr lang="en-US" altLang="ja-JP" sz="2000" dirty="0">
-              <a:cs typeface="メイリオ" pitchFamily="50" charset="-128"/>
-            </a:endParaRPr>
-          </a:p>
-          <a:p>
-            <a:pPr marL="0" indent="0">
-              <a:buNone/>
-            </a:pPr>
-            <a:r>
-              <a:rPr lang="en-US" altLang="ja-JP" sz="2000" dirty="0"/>
-              <a:t>    width: 100%;</a:t>
-            </a:r>
-          </a:p>
-          <a:p>
-            <a:pPr marL="0" indent="0">
-              <a:buNone/>
-            </a:pPr>
-            <a:r>
-              <a:rPr lang="en-US" altLang="ja-JP" sz="2000" dirty="0"/>
-              <a:t>    padding: 17px; </a:t>
-            </a:r>
-            <a:endParaRPr lang="en-US" altLang="ja-JP" sz="2000" dirty="0" smtClean="0"/>
-          </a:p>
-          <a:p>
-            <a:pPr marL="0" indent="0">
-              <a:buNone/>
-            </a:pPr>
-            <a:r>
-              <a:rPr lang="en-US" altLang="ja-JP" sz="2000" dirty="0" smtClean="0">
-                <a:solidFill>
-                  <a:prstClr val="black"/>
-                </a:solidFill>
-                <a:cs typeface="メイリオ" pitchFamily="50" charset="-128"/>
-              </a:rPr>
-              <a:t>    </a:t>
-            </a:r>
-            <a:r>
-              <a:rPr lang="en-US" altLang="ja-JP" sz="2000" dirty="0">
-                <a:solidFill>
-                  <a:prstClr val="black"/>
-                </a:solidFill>
-                <a:cs typeface="メイリオ" pitchFamily="50" charset="-128"/>
-              </a:rPr>
-              <a:t>font-size: 21px;</a:t>
-            </a:r>
-            <a:endParaRPr lang="en-US" altLang="ja-JP" sz="2000" dirty="0" smtClean="0">
-              <a:solidFill>
-                <a:prstClr val="black"/>
-              </a:solidFill>
-              <a:cs typeface="メイリオ" pitchFamily="50" charset="-128"/>
-            </a:endParaRPr>
-          </a:p>
-          <a:p>
-            <a:pPr marL="0" lvl="0" indent="0" eaLnBrk="0" hangingPunct="0">
-              <a:buNone/>
-            </a:pPr>
-            <a:r>
-              <a:rPr lang="en-US" altLang="ja-JP" sz="2000" dirty="0" smtClean="0">
-                <a:solidFill>
-                  <a:prstClr val="black"/>
-                </a:solidFill>
-                <a:cs typeface="メイリオ" pitchFamily="50" charset="-128"/>
-              </a:rPr>
-              <a:t>}</a:t>
-            </a:r>
-          </a:p>
-          <a:p>
-            <a:pPr marL="0" lvl="0" indent="0" eaLnBrk="0" hangingPunct="0">
-              <a:buNone/>
-            </a:pPr>
-            <a:r>
-              <a:rPr lang="en-US" altLang="ja-JP" sz="2000" dirty="0" smtClean="0">
-                <a:solidFill>
-                  <a:prstClr val="black"/>
-                </a:solidFill>
-                <a:cs typeface="メイリオ" pitchFamily="50" charset="-128"/>
-              </a:rPr>
-              <a:t>.footer {</a:t>
-            </a:r>
-            <a:endParaRPr lang="en-US" altLang="ja-JP" sz="2000" dirty="0">
-              <a:solidFill>
-                <a:prstClr val="black"/>
-              </a:solidFill>
-              <a:cs typeface="メイリオ" pitchFamily="50" charset="-128"/>
-            </a:endParaRPr>
-          </a:p>
-          <a:p>
-            <a:pPr marL="0" lvl="0" indent="0" eaLnBrk="0" hangingPunct="0">
-              <a:buNone/>
-            </a:pPr>
-            <a:r>
-              <a:rPr lang="en-US" altLang="ja-JP" sz="2000" dirty="0">
-                <a:solidFill>
-                  <a:prstClr val="black"/>
-                </a:solidFill>
-                <a:cs typeface="メイリオ" pitchFamily="50" charset="-128"/>
-              </a:rPr>
-              <a:t>    color: #005BAC;</a:t>
-            </a:r>
-            <a:endParaRPr lang="en-US" altLang="ja-JP" sz="2000" dirty="0">
-              <a:cs typeface="メイリオ" pitchFamily="50" charset="-128"/>
-            </a:endParaRPr>
-          </a:p>
-          <a:p>
-            <a:pPr marL="0" indent="0">
-              <a:buNone/>
-            </a:pPr>
-            <a:r>
-              <a:rPr lang="en-US" altLang="ja-JP" sz="2000" dirty="0"/>
-              <a:t>    width: 100%;</a:t>
-            </a:r>
-          </a:p>
-          <a:p>
-            <a:pPr marL="0" indent="0">
-              <a:buNone/>
-            </a:pPr>
-            <a:r>
-              <a:rPr lang="en-US" altLang="ja-JP" sz="2000" dirty="0"/>
-              <a:t>    padding: 17px; </a:t>
-            </a:r>
-            <a:endParaRPr lang="en-US" altLang="ja-JP" sz="2000" dirty="0">
-              <a:solidFill>
-                <a:prstClr val="black"/>
-              </a:solidFill>
-              <a:cs typeface="メイリオ" pitchFamily="50" charset="-128"/>
-            </a:endParaRPr>
-          </a:p>
-          <a:p>
-            <a:pPr marL="0" lvl="0" indent="0" eaLnBrk="0" hangingPunct="0">
-              <a:buNone/>
-            </a:pPr>
-            <a:r>
-              <a:rPr lang="en-US" altLang="ja-JP" sz="2000" dirty="0" smtClean="0">
-                <a:solidFill>
-                  <a:prstClr val="black"/>
-                </a:solidFill>
-                <a:cs typeface="メイリオ" pitchFamily="50" charset="-128"/>
-              </a:rPr>
-              <a:t>}</a:t>
-            </a:r>
-            <a:endParaRPr lang="en-US" altLang="ja-JP" sz="2000" dirty="0">
-              <a:solidFill>
-                <a:prstClr val="black"/>
-              </a:solidFill>
-              <a:cs typeface="メイリオ" pitchFamily="50" charset="-128"/>
-            </a:endParaRPr>
-          </a:p>
-        </p:txBody>
-      </p:sp>
-      <p:sp>
-        <p:nvSpPr>
-          <p:cNvPr id="11" name="コンテンツ プレースホルダー 10"/>
-          <p:cNvSpPr>
-            <a:spLocks noGrp="1"/>
-          </p:cNvSpPr>
-          <p:nvPr>
-            <p:ph idx="13"/>
-          </p:nvPr>
-        </p:nvSpPr>
-        <p:spPr>
-          <a:xfrm>
-            <a:off x="4662010" y="1124744"/>
-            <a:ext cx="4140461" cy="5139571"/>
-          </a:xfrm>
-        </p:spPr>
-        <p:txBody>
-          <a:bodyPr/>
-          <a:lstStyle/>
-          <a:p>
-            <a:r>
-              <a:rPr kumimoji="1" lang="en-US" altLang="ja-JP" sz="2000" dirty="0" smtClean="0"/>
-              <a:t>Sass</a:t>
-            </a:r>
-          </a:p>
-          <a:p>
-            <a:pPr marL="0" indent="0">
-              <a:buNone/>
-            </a:pPr>
-            <a:r>
-              <a:rPr lang="en-US" altLang="ja-JP" sz="2000" dirty="0">
-                <a:cs typeface="メイリオ" pitchFamily="50" charset="-128"/>
-              </a:rPr>
-              <a:t>$y-blue: #005BAC;</a:t>
-            </a:r>
-            <a:endParaRPr lang="en-US" altLang="ja-JP" sz="2000" dirty="0" smtClean="0"/>
-          </a:p>
-          <a:p>
-            <a:pPr marL="0" indent="0">
-              <a:buNone/>
-            </a:pPr>
-            <a:r>
-              <a:rPr lang="en-US" altLang="ja-JP" sz="2000" dirty="0" smtClean="0">
-                <a:solidFill>
-                  <a:srgbClr val="FF0000"/>
-                </a:solidFill>
-              </a:rPr>
-              <a:t>@</a:t>
-            </a:r>
-            <a:r>
-              <a:rPr lang="en-US" altLang="ja-JP" sz="2000" dirty="0" err="1" smtClean="0">
-                <a:solidFill>
-                  <a:srgbClr val="FF0000"/>
-                </a:solidFill>
-              </a:rPr>
-              <a:t>mixin</a:t>
-            </a:r>
-            <a:r>
-              <a:rPr lang="en-US" altLang="ja-JP" sz="2000" dirty="0" smtClean="0">
-                <a:solidFill>
-                  <a:srgbClr val="FF0000"/>
-                </a:solidFill>
-              </a:rPr>
-              <a:t> </a:t>
-            </a:r>
-            <a:r>
-              <a:rPr lang="en-US" altLang="ja-JP" sz="2000" dirty="0" err="1" smtClean="0">
-                <a:solidFill>
-                  <a:srgbClr val="FF0000"/>
-                </a:solidFill>
-              </a:rPr>
-              <a:t>basestyle</a:t>
-            </a:r>
-            <a:r>
-              <a:rPr lang="en-US" altLang="ja-JP" sz="2000" dirty="0" smtClean="0">
-                <a:solidFill>
-                  <a:srgbClr val="FF0000"/>
-                </a:solidFill>
-              </a:rPr>
-              <a:t>{</a:t>
-            </a:r>
-          </a:p>
-          <a:p>
-            <a:pPr marL="0" indent="0">
-              <a:buNone/>
-            </a:pPr>
-            <a:r>
-              <a:rPr lang="en-US" altLang="ja-JP" sz="2000" dirty="0"/>
-              <a:t> </a:t>
-            </a:r>
-            <a:r>
-              <a:rPr lang="en-US" altLang="ja-JP" sz="2000" dirty="0" smtClean="0"/>
-              <a:t>   color: </a:t>
-            </a:r>
-            <a:r>
-              <a:rPr lang="en-US" altLang="ja-JP" sz="2000" dirty="0">
-                <a:cs typeface="メイリオ" pitchFamily="50" charset="-128"/>
-              </a:rPr>
-              <a:t>$</a:t>
-            </a:r>
-            <a:r>
-              <a:rPr lang="en-US" altLang="ja-JP" sz="2000" dirty="0" smtClean="0">
-                <a:cs typeface="メイリオ" pitchFamily="50" charset="-128"/>
-              </a:rPr>
-              <a:t>y-blue;</a:t>
-            </a:r>
-          </a:p>
-          <a:p>
-            <a:pPr marL="0" indent="0">
-              <a:buNone/>
-            </a:pPr>
-            <a:r>
-              <a:rPr lang="en-US" altLang="ja-JP" sz="2000" dirty="0"/>
-              <a:t> </a:t>
-            </a:r>
-            <a:r>
-              <a:rPr lang="en-US" altLang="ja-JP" sz="2000" dirty="0" smtClean="0"/>
-              <a:t>   width: 100%;</a:t>
-            </a:r>
-          </a:p>
-          <a:p>
-            <a:pPr marL="0" indent="0">
-              <a:buNone/>
-            </a:pPr>
-            <a:r>
-              <a:rPr lang="en-US" altLang="ja-JP" sz="2000" dirty="0" smtClean="0"/>
-              <a:t>    padding: 17px;</a:t>
-            </a:r>
-            <a:r>
-              <a:rPr lang="en-US" altLang="ja-JP" sz="2000" dirty="0" smtClean="0"/>
-              <a:t>    </a:t>
-            </a:r>
-            <a:endParaRPr lang="en-US" altLang="ja-JP" sz="2000" dirty="0" smtClean="0"/>
-          </a:p>
-          <a:p>
-            <a:pPr marL="0" indent="0">
-              <a:buNone/>
-            </a:pPr>
-            <a:r>
-              <a:rPr kumimoji="1" lang="en-US" altLang="ja-JP" sz="2000" dirty="0" smtClean="0">
-                <a:solidFill>
-                  <a:srgbClr val="FF0000"/>
-                </a:solidFill>
-              </a:rPr>
-              <a:t>}</a:t>
-            </a:r>
-            <a:endParaRPr lang="en-US" altLang="ja-JP" sz="2000" dirty="0" smtClean="0">
-              <a:solidFill>
-                <a:srgbClr val="FF0000"/>
-              </a:solidFill>
-              <a:cs typeface="メイリオ" pitchFamily="50" charset="-128"/>
-            </a:endParaRPr>
-          </a:p>
-          <a:p>
-            <a:pPr marL="0" lvl="0" indent="0" eaLnBrk="0" hangingPunct="0">
-              <a:buNone/>
-            </a:pPr>
-            <a:r>
-              <a:rPr lang="en-US" altLang="ja-JP" sz="2000" dirty="0" smtClean="0">
-                <a:solidFill>
-                  <a:prstClr val="black"/>
-                </a:solidFill>
-                <a:cs typeface="メイリオ" pitchFamily="50" charset="-128"/>
-              </a:rPr>
-              <a:t>.</a:t>
-            </a:r>
-            <a:r>
-              <a:rPr lang="en-US" altLang="ja-JP" sz="2000" dirty="0">
-                <a:solidFill>
-                  <a:prstClr val="black"/>
-                </a:solidFill>
-                <a:cs typeface="メイリオ" pitchFamily="50" charset="-128"/>
-              </a:rPr>
-              <a:t>body</a:t>
-            </a:r>
-            <a:r>
-              <a:rPr lang="en-US" altLang="ja-JP" sz="2000" dirty="0" smtClean="0">
-                <a:solidFill>
-                  <a:prstClr val="black"/>
-                </a:solidFill>
-                <a:cs typeface="メイリオ" pitchFamily="50" charset="-128"/>
-              </a:rPr>
-              <a:t>{</a:t>
-            </a:r>
-            <a:endParaRPr lang="en-US" altLang="ja-JP" sz="2000" dirty="0">
-              <a:solidFill>
-                <a:srgbClr val="FF0000"/>
-              </a:solidFill>
-              <a:cs typeface="メイリオ" pitchFamily="50" charset="-128"/>
-            </a:endParaRPr>
-          </a:p>
-          <a:p>
-            <a:pPr marL="0" lvl="0" indent="0" eaLnBrk="0" hangingPunct="0">
-              <a:buNone/>
-            </a:pPr>
-            <a:r>
-              <a:rPr lang="en-US" altLang="ja-JP" sz="2000" dirty="0" smtClean="0">
-                <a:solidFill>
-                  <a:prstClr val="black"/>
-                </a:solidFill>
-                <a:cs typeface="メイリオ" pitchFamily="50" charset="-128"/>
-              </a:rPr>
-              <a:t>    </a:t>
-            </a:r>
-            <a:r>
-              <a:rPr lang="en-US" altLang="ja-JP" sz="2000" dirty="0" smtClean="0">
-                <a:cs typeface="メイリオ" pitchFamily="50" charset="-128"/>
-              </a:rPr>
-              <a:t>&amp;</a:t>
-            </a:r>
-            <a:r>
-              <a:rPr lang="en-US" altLang="ja-JP" sz="2000" dirty="0" smtClean="0">
-                <a:solidFill>
-                  <a:prstClr val="black"/>
-                </a:solidFill>
-                <a:cs typeface="メイリオ" pitchFamily="50" charset="-128"/>
-              </a:rPr>
-              <a:t>__header{</a:t>
-            </a:r>
-          </a:p>
-          <a:p>
-            <a:pPr marL="0" lvl="0" indent="0" eaLnBrk="0" hangingPunct="0">
-              <a:buNone/>
-            </a:pPr>
-            <a:r>
-              <a:rPr lang="en-US" altLang="ja-JP" sz="2000" dirty="0" smtClean="0">
-                <a:solidFill>
-                  <a:srgbClr val="FF0000"/>
-                </a:solidFill>
-                <a:cs typeface="メイリオ" pitchFamily="50" charset="-128"/>
-              </a:rPr>
-              <a:t>        @</a:t>
-            </a:r>
-            <a:r>
-              <a:rPr lang="en-US" altLang="ja-JP" sz="2000" dirty="0">
-                <a:solidFill>
-                  <a:srgbClr val="FF0000"/>
-                </a:solidFill>
-                <a:cs typeface="メイリオ" pitchFamily="50" charset="-128"/>
-              </a:rPr>
-              <a:t>include </a:t>
-            </a:r>
-            <a:r>
-              <a:rPr lang="en-US" altLang="ja-JP" sz="2000" dirty="0" err="1">
-                <a:solidFill>
-                  <a:srgbClr val="FF0000"/>
-                </a:solidFill>
-                <a:cs typeface="メイリオ" pitchFamily="50" charset="-128"/>
-              </a:rPr>
-              <a:t>basestyle</a:t>
-            </a:r>
-            <a:r>
-              <a:rPr lang="en-US" altLang="ja-JP" sz="2000" dirty="0" smtClean="0">
-                <a:solidFill>
-                  <a:srgbClr val="FF0000"/>
-                </a:solidFill>
-                <a:cs typeface="メイリオ" pitchFamily="50" charset="-128"/>
-              </a:rPr>
-              <a:t>;</a:t>
-            </a:r>
-            <a:endParaRPr lang="en-US" altLang="ja-JP" sz="2000" dirty="0" smtClean="0">
-              <a:solidFill>
-                <a:prstClr val="black"/>
-              </a:solidFill>
-              <a:cs typeface="メイリオ" pitchFamily="50" charset="-128"/>
-            </a:endParaRPr>
-          </a:p>
-          <a:p>
-            <a:pPr marL="0" lvl="0" indent="0" eaLnBrk="0" hangingPunct="0">
-              <a:buNone/>
-            </a:pPr>
-            <a:r>
-              <a:rPr lang="en-US" altLang="ja-JP" sz="2000" dirty="0" smtClean="0">
-                <a:solidFill>
-                  <a:prstClr val="black"/>
-                </a:solidFill>
-                <a:cs typeface="メイリオ" pitchFamily="50" charset="-128"/>
-              </a:rPr>
-              <a:t>        font-size: 21px;</a:t>
-            </a:r>
-          </a:p>
-          <a:p>
-            <a:pPr marL="0" lvl="0" indent="0" eaLnBrk="0" hangingPunct="0">
-              <a:buNone/>
-            </a:pPr>
-            <a:r>
-              <a:rPr lang="en-US" altLang="ja-JP" sz="2000" dirty="0" smtClean="0">
-                <a:solidFill>
-                  <a:prstClr val="black"/>
-                </a:solidFill>
-                <a:cs typeface="メイリオ" pitchFamily="50" charset="-128"/>
-              </a:rPr>
-              <a:t>    }</a:t>
-            </a:r>
-          </a:p>
-          <a:p>
-            <a:pPr marL="0" lvl="0" indent="0" eaLnBrk="0" hangingPunct="0">
-              <a:buNone/>
-            </a:pPr>
-            <a:r>
-              <a:rPr lang="en-US" altLang="ja-JP" sz="2000" dirty="0" smtClean="0">
-                <a:solidFill>
-                  <a:prstClr val="black"/>
-                </a:solidFill>
-                <a:cs typeface="メイリオ" pitchFamily="50" charset="-128"/>
-              </a:rPr>
-              <a:t>}</a:t>
-            </a:r>
-          </a:p>
-          <a:p>
-            <a:pPr marL="0" lvl="0" indent="0" eaLnBrk="0" hangingPunct="0">
-              <a:buNone/>
-            </a:pPr>
-            <a:r>
-              <a:rPr lang="en-US" altLang="ja-JP" sz="2000" dirty="0" smtClean="0">
-                <a:solidFill>
-                  <a:prstClr val="black"/>
-                </a:solidFill>
-                <a:cs typeface="メイリオ" pitchFamily="50" charset="-128"/>
-              </a:rPr>
-              <a:t>.footer{</a:t>
-            </a:r>
-          </a:p>
-          <a:p>
-            <a:pPr marL="0" lvl="0" indent="0" eaLnBrk="0" hangingPunct="0">
-              <a:buNone/>
-            </a:pPr>
-            <a:r>
-              <a:rPr lang="en-US" altLang="ja-JP" sz="2000" dirty="0" smtClean="0">
-                <a:solidFill>
-                  <a:srgbClr val="FF0000"/>
-                </a:solidFill>
-                <a:cs typeface="メイリオ" pitchFamily="50" charset="-128"/>
-              </a:rPr>
-              <a:t>    @</a:t>
-            </a:r>
-            <a:r>
-              <a:rPr lang="en-US" altLang="ja-JP" sz="2000" dirty="0">
-                <a:solidFill>
-                  <a:srgbClr val="FF0000"/>
-                </a:solidFill>
-                <a:cs typeface="メイリオ" pitchFamily="50" charset="-128"/>
-              </a:rPr>
-              <a:t>include </a:t>
-            </a:r>
-            <a:r>
-              <a:rPr lang="en-US" altLang="ja-JP" sz="2000" dirty="0" err="1">
-                <a:solidFill>
-                  <a:srgbClr val="FF0000"/>
-                </a:solidFill>
-                <a:cs typeface="メイリオ" pitchFamily="50" charset="-128"/>
-              </a:rPr>
-              <a:t>basestyle</a:t>
-            </a:r>
-            <a:r>
-              <a:rPr lang="en-US" altLang="ja-JP" sz="2000" dirty="0">
-                <a:solidFill>
-                  <a:srgbClr val="FF0000"/>
-                </a:solidFill>
-                <a:cs typeface="メイリオ" pitchFamily="50" charset="-128"/>
-              </a:rPr>
-              <a:t>;</a:t>
-            </a:r>
-            <a:endParaRPr lang="en-US" altLang="ja-JP" sz="2000" dirty="0" smtClean="0">
-              <a:solidFill>
-                <a:prstClr val="black"/>
-              </a:solidFill>
-              <a:cs typeface="メイリオ" pitchFamily="50" charset="-128"/>
-            </a:endParaRPr>
-          </a:p>
-          <a:p>
-            <a:pPr marL="0" lvl="0" indent="0" eaLnBrk="0" hangingPunct="0">
-              <a:buNone/>
-            </a:pPr>
-            <a:r>
-              <a:rPr lang="en-US" altLang="ja-JP" sz="2000" dirty="0" smtClean="0">
-                <a:solidFill>
-                  <a:prstClr val="black"/>
-                </a:solidFill>
-                <a:cs typeface="メイリオ" pitchFamily="50" charset="-128"/>
-              </a:rPr>
-              <a:t>}</a:t>
-            </a:r>
-          </a:p>
-        </p:txBody>
-      </p:sp>
-      <p:sp>
-        <p:nvSpPr>
-          <p:cNvPr id="8" name="スライド番号プレースホルダ 5"/>
-          <p:cNvSpPr>
-            <a:spLocks noGrp="1"/>
-          </p:cNvSpPr>
-          <p:nvPr>
-            <p:ph type="sldNum" sz="quarter" idx="12"/>
-          </p:nvPr>
-        </p:nvSpPr>
-        <p:spPr>
-          <a:xfrm>
-            <a:off x="206516" y="6489340"/>
-            <a:ext cx="630070" cy="225025"/>
-          </a:xfrm>
-          <a:prstGeom prst="rect">
-            <a:avLst/>
-          </a:prstGeom>
-        </p:spPr>
-        <p:txBody>
-          <a:bodyPr/>
-          <a:lstStyle>
-            <a:lvl1pPr>
-              <a:defRPr sz="1000">
-                <a:solidFill>
-                  <a:schemeClr val="bg1"/>
-                </a:solidFill>
-                <a:latin typeface="Arial" pitchFamily="34" charset="0"/>
-                <a:ea typeface="HGSｺﾞｼｯｸE" pitchFamily="50" charset="-128"/>
-                <a:cs typeface="Arial" pitchFamily="34" charset="0"/>
-              </a:defRPr>
-            </a:lvl1pPr>
-          </a:lstStyle>
-          <a:p>
-            <a:fld id="{E06F8C22-DD7A-40A6-8D32-0B1A0AF740E1}" type="slidenum">
-              <a:rPr lang="ja-JP" altLang="en-US" smtClean="0"/>
-              <a:pPr/>
-              <a:t>9</a:t>
-            </a:fld>
-            <a:endParaRPr lang="en-US" altLang="ja-JP" dirty="0"/>
-          </a:p>
-        </p:txBody>
-      </p:sp>
-      <p:sp>
-        <p:nvSpPr>
-          <p:cNvPr id="10" name="Rectangle 5"/>
-          <p:cNvSpPr>
-            <a:spLocks noGrp="1" noChangeArrowheads="1"/>
-          </p:cNvSpPr>
-          <p:nvPr>
-            <p:ph type="ftr" sz="quarter" idx="11"/>
-          </p:nvPr>
-        </p:nvSpPr>
-        <p:spPr>
-          <a:xfrm>
-            <a:off x="2906815" y="6489340"/>
-            <a:ext cx="3375375" cy="225025"/>
-          </a:xfrm>
-          <a:prstGeom prst="rect">
-            <a:avLst/>
-          </a:prstGeom>
-        </p:spPr>
-        <p:txBody>
-          <a:bodyPr/>
-          <a:lstStyle>
-            <a:lvl1pPr algn="ctr">
-              <a:defRPr sz="1000">
-                <a:solidFill>
-                  <a:schemeClr val="bg1"/>
-                </a:solidFill>
-                <a:latin typeface="Arial" charset="0"/>
-              </a:defRPr>
-            </a:lvl1pPr>
-          </a:lstStyle>
-          <a:p>
-            <a:r>
-              <a:rPr lang="en-US" altLang="ja-JP" dirty="0" smtClean="0"/>
-              <a:t>© </a:t>
-            </a:r>
-            <a:r>
-              <a:rPr lang="en-US" altLang="ja-JP" dirty="0" smtClean="0"/>
-              <a:t>2017 Yayoi Co., Ltd.  All rights reserved.</a:t>
-            </a:r>
-            <a:endParaRPr lang="en-US" altLang="ja-JP" dirty="0"/>
-          </a:p>
-        </p:txBody>
-      </p:sp>
-    </p:spTree>
-    <p:extLst>
-      <p:ext uri="{BB962C8B-B14F-4D97-AF65-F5344CB8AC3E}">
-        <p14:creationId xmlns:p14="http://schemas.microsoft.com/office/powerpoint/2010/main" val="3835035275"/>
       </p:ext>
     </p:extLst>
   </p:cSld>
